--- a/Paper/figures/dynamics/plots.pptx
+++ b/Paper/figures/dynamics/plots.pptx
@@ -10,6 +10,7 @@
     <p:sldId id="258" r:id="rId4"/>
     <p:sldId id="259" r:id="rId5"/>
     <p:sldId id="260" r:id="rId6"/>
+    <p:sldId id="261" r:id="rId7"/>
   </p:sldIdLst>
   <p:sldSz cx="9144000" cy="6858000" type="screen4x3"/>
   <p:notesSz cx="6858000" cy="9144000"/>
@@ -108,6 +109,11 @@
       </a:defRPr>
     </a:lvl9pPr>
   </p:defaultTextStyle>
+  <p:extLst>
+    <p:ext uri="{EFAFB233-063F-42B5-8137-9DF3F51BA10A}">
+      <p15:sldGuideLst xmlns:p15="http://schemas.microsoft.com/office/powerpoint/2012/main"/>
+    </p:ext>
+  </p:extLst>
 </p:presentation>
 </file>
 
@@ -242,7 +248,7 @@
           <a:p>
             <a:fld id="{0026567C-75AA-564F-80FF-6BE13A735850}" type="datetimeFigureOut">
               <a:rPr lang="en-US" smtClean="0"/>
-              <a:t>11/24/18</a:t>
+              <a:t>12/21/18</a:t>
             </a:fld>
             <a:endParaRPr lang="en-US" dirty="0"/>
           </a:p>
@@ -412,7 +418,7 @@
           <a:p>
             <a:fld id="{0026567C-75AA-564F-80FF-6BE13A735850}" type="datetimeFigureOut">
               <a:rPr lang="en-US" smtClean="0"/>
-              <a:t>11/24/18</a:t>
+              <a:t>12/21/18</a:t>
             </a:fld>
             <a:endParaRPr lang="en-US" dirty="0"/>
           </a:p>
@@ -592,7 +598,7 @@
           <a:p>
             <a:fld id="{0026567C-75AA-564F-80FF-6BE13A735850}" type="datetimeFigureOut">
               <a:rPr lang="en-US" smtClean="0"/>
-              <a:t>11/24/18</a:t>
+              <a:t>12/21/18</a:t>
             </a:fld>
             <a:endParaRPr lang="en-US" dirty="0"/>
           </a:p>
@@ -762,7 +768,7 @@
           <a:p>
             <a:fld id="{0026567C-75AA-564F-80FF-6BE13A735850}" type="datetimeFigureOut">
               <a:rPr lang="en-US" smtClean="0"/>
-              <a:t>11/24/18</a:t>
+              <a:t>12/21/18</a:t>
             </a:fld>
             <a:endParaRPr lang="en-US" dirty="0"/>
           </a:p>
@@ -1006,7 +1012,7 @@
           <a:p>
             <a:fld id="{0026567C-75AA-564F-80FF-6BE13A735850}" type="datetimeFigureOut">
               <a:rPr lang="en-US" smtClean="0"/>
-              <a:t>11/24/18</a:t>
+              <a:t>12/21/18</a:t>
             </a:fld>
             <a:endParaRPr lang="en-US" dirty="0"/>
           </a:p>
@@ -1238,7 +1244,7 @@
           <a:p>
             <a:fld id="{0026567C-75AA-564F-80FF-6BE13A735850}" type="datetimeFigureOut">
               <a:rPr lang="en-US" smtClean="0"/>
-              <a:t>11/24/18</a:t>
+              <a:t>12/21/18</a:t>
             </a:fld>
             <a:endParaRPr lang="en-US" dirty="0"/>
           </a:p>
@@ -1605,7 +1611,7 @@
           <a:p>
             <a:fld id="{0026567C-75AA-564F-80FF-6BE13A735850}" type="datetimeFigureOut">
               <a:rPr lang="en-US" smtClean="0"/>
-              <a:t>11/24/18</a:t>
+              <a:t>12/21/18</a:t>
             </a:fld>
             <a:endParaRPr lang="en-US" dirty="0"/>
           </a:p>
@@ -1723,7 +1729,7 @@
           <a:p>
             <a:fld id="{0026567C-75AA-564F-80FF-6BE13A735850}" type="datetimeFigureOut">
               <a:rPr lang="en-US" smtClean="0"/>
-              <a:t>11/24/18</a:t>
+              <a:t>12/21/18</a:t>
             </a:fld>
             <a:endParaRPr lang="en-US" dirty="0"/>
           </a:p>
@@ -1818,7 +1824,7 @@
           <a:p>
             <a:fld id="{0026567C-75AA-564F-80FF-6BE13A735850}" type="datetimeFigureOut">
               <a:rPr lang="en-US" smtClean="0"/>
-              <a:t>11/24/18</a:t>
+              <a:t>12/21/18</a:t>
             </a:fld>
             <a:endParaRPr lang="en-US" dirty="0"/>
           </a:p>
@@ -2095,7 +2101,7 @@
           <a:p>
             <a:fld id="{0026567C-75AA-564F-80FF-6BE13A735850}" type="datetimeFigureOut">
               <a:rPr lang="en-US" smtClean="0"/>
-              <a:t>11/24/18</a:t>
+              <a:t>12/21/18</a:t>
             </a:fld>
             <a:endParaRPr lang="en-US" dirty="0"/>
           </a:p>
@@ -2351,7 +2357,7 @@
           <a:p>
             <a:fld id="{0026567C-75AA-564F-80FF-6BE13A735850}" type="datetimeFigureOut">
               <a:rPr lang="en-US" smtClean="0"/>
-              <a:t>11/24/18</a:t>
+              <a:t>12/21/18</a:t>
             </a:fld>
             <a:endParaRPr lang="en-US" dirty="0"/>
           </a:p>
@@ -2564,7 +2570,7 @@
           <a:p>
             <a:fld id="{0026567C-75AA-564F-80FF-6BE13A735850}" type="datetimeFigureOut">
               <a:rPr lang="en-US" smtClean="0"/>
-              <a:t>11/24/18</a:t>
+              <a:t>12/21/18</a:t>
             </a:fld>
             <a:endParaRPr lang="en-US" dirty="0"/>
           </a:p>
@@ -7363,7 +7369,7 @@
                 <a:latin typeface="Times New Roman" panose="02020603050405020304" pitchFamily="18" charset="0"/>
                 <a:cs typeface="Times New Roman" panose="02020603050405020304" pitchFamily="18" charset="0"/>
               </a:rPr>
-              <a:t>X</a:t>
+              <a:t>Y</a:t>
             </a:r>
             <a:r>
               <a:rPr lang="en-US" sz="900" i="1" baseline="-25000" dirty="0">
@@ -7451,7 +7457,7 @@
                 <a:latin typeface="Times New Roman" panose="02020603050405020304" pitchFamily="18" charset="0"/>
                 <a:cs typeface="Times New Roman" panose="02020603050405020304" pitchFamily="18" charset="0"/>
               </a:rPr>
-              <a:t>X</a:t>
+              <a:t>Y</a:t>
             </a:r>
             <a:r>
               <a:rPr lang="en-US" sz="900" i="1" baseline="-25000" dirty="0">
@@ -7539,7 +7545,7 @@
                 <a:latin typeface="Times New Roman" panose="02020603050405020304" pitchFamily="18" charset="0"/>
                 <a:cs typeface="Times New Roman" panose="02020603050405020304" pitchFamily="18" charset="0"/>
               </a:rPr>
-              <a:t>X</a:t>
+              <a:t>Y</a:t>
             </a:r>
             <a:r>
               <a:rPr lang="en-US" sz="900" i="1" baseline="-25000" dirty="0">
@@ -7627,7 +7633,7 @@
                 <a:latin typeface="Times New Roman" panose="02020603050405020304" pitchFamily="18" charset="0"/>
                 <a:cs typeface="Times New Roman" panose="02020603050405020304" pitchFamily="18" charset="0"/>
               </a:rPr>
-              <a:t>X</a:t>
+              <a:t>Y</a:t>
             </a:r>
             <a:r>
               <a:rPr lang="en-US" sz="900" i="1" baseline="-25000" dirty="0">
@@ -7882,7 +7888,7 @@
                 <a:latin typeface="Times New Roman" panose="02020603050405020304" pitchFamily="18" charset="0"/>
                 <a:cs typeface="Times New Roman" panose="02020603050405020304" pitchFamily="18" charset="0"/>
               </a:rPr>
-              <a:t>Y</a:t>
+              <a:t>X</a:t>
             </a:r>
             <a:r>
               <a:rPr lang="en-US" sz="900" i="1" baseline="-25000" dirty="0">
@@ -7970,7 +7976,7 @@
                 <a:latin typeface="Times New Roman" panose="02020603050405020304" pitchFamily="18" charset="0"/>
                 <a:cs typeface="Times New Roman" panose="02020603050405020304" pitchFamily="18" charset="0"/>
               </a:rPr>
-              <a:t>Y</a:t>
+              <a:t>X</a:t>
             </a:r>
             <a:r>
               <a:rPr lang="en-US" sz="900" i="1" baseline="-25000" dirty="0">
@@ -8058,7 +8064,7 @@
                 <a:latin typeface="Times New Roman" panose="02020603050405020304" pitchFamily="18" charset="0"/>
                 <a:cs typeface="Times New Roman" panose="02020603050405020304" pitchFamily="18" charset="0"/>
               </a:rPr>
-              <a:t>Y</a:t>
+              <a:t>X</a:t>
             </a:r>
             <a:r>
               <a:rPr lang="en-US" sz="900" i="1" baseline="-25000" dirty="0">
@@ -8146,7 +8152,7 @@
                 <a:latin typeface="Times New Roman" panose="02020603050405020304" pitchFamily="18" charset="0"/>
                 <a:cs typeface="Times New Roman" panose="02020603050405020304" pitchFamily="18" charset="0"/>
               </a:rPr>
-              <a:t>Y</a:t>
+              <a:t>X</a:t>
             </a:r>
             <a:r>
               <a:rPr lang="en-US" sz="900" i="1" baseline="-25000" dirty="0">
@@ -8697,7 +8703,7 @@
                 <a:latin typeface="Times New Roman" panose="02020603050405020304" pitchFamily="18" charset="0"/>
                 <a:cs typeface="Times New Roman" panose="02020603050405020304" pitchFamily="18" charset="0"/>
               </a:rPr>
-              <a:t>X</a:t>
+              <a:t>Y</a:t>
             </a:r>
             <a:r>
               <a:rPr lang="en-US" sz="900" i="1" baseline="-25000" dirty="0">
@@ -8785,7 +8791,7 @@
                 <a:latin typeface="Times New Roman" panose="02020603050405020304" pitchFamily="18" charset="0"/>
                 <a:cs typeface="Times New Roman" panose="02020603050405020304" pitchFamily="18" charset="0"/>
               </a:rPr>
-              <a:t>X</a:t>
+              <a:t>Y</a:t>
             </a:r>
             <a:r>
               <a:rPr lang="en-US" sz="900" i="1" baseline="-25000" dirty="0">
@@ -8873,7 +8879,7 @@
                 <a:latin typeface="Times New Roman" panose="02020603050405020304" pitchFamily="18" charset="0"/>
                 <a:cs typeface="Times New Roman" panose="02020603050405020304" pitchFamily="18" charset="0"/>
               </a:rPr>
-              <a:t>X</a:t>
+              <a:t>Y</a:t>
             </a:r>
             <a:r>
               <a:rPr lang="en-US" sz="900" i="1" baseline="-25000" dirty="0">
@@ -8961,7 +8967,7 @@
                 <a:latin typeface="Times New Roman" panose="02020603050405020304" pitchFamily="18" charset="0"/>
                 <a:cs typeface="Times New Roman" panose="02020603050405020304" pitchFamily="18" charset="0"/>
               </a:rPr>
-              <a:t>X</a:t>
+              <a:t>Y</a:t>
             </a:r>
             <a:r>
               <a:rPr lang="en-US" sz="900" i="1" baseline="-25000" dirty="0">
@@ -9293,7 +9299,7 @@
                 <a:latin typeface="Times New Roman" panose="02020603050405020304" pitchFamily="18" charset="0"/>
                 <a:cs typeface="Times New Roman" panose="02020603050405020304" pitchFamily="18" charset="0"/>
               </a:rPr>
-              <a:t>X</a:t>
+              <a:t>Y</a:t>
             </a:r>
             <a:r>
               <a:rPr lang="en-US" sz="900" i="1" baseline="-25000" dirty="0">
@@ -9381,7 +9387,7 @@
                 <a:latin typeface="Times New Roman" panose="02020603050405020304" pitchFamily="18" charset="0"/>
                 <a:cs typeface="Times New Roman" panose="02020603050405020304" pitchFamily="18" charset="0"/>
               </a:rPr>
-              <a:t>X</a:t>
+              <a:t>Y</a:t>
             </a:r>
             <a:r>
               <a:rPr lang="en-US" sz="900" i="1" baseline="-25000" dirty="0">
@@ -9469,7 +9475,7 @@
                 <a:latin typeface="Times New Roman" panose="02020603050405020304" pitchFamily="18" charset="0"/>
                 <a:cs typeface="Times New Roman" panose="02020603050405020304" pitchFamily="18" charset="0"/>
               </a:rPr>
-              <a:t>X</a:t>
+              <a:t>Y</a:t>
             </a:r>
             <a:r>
               <a:rPr lang="en-US" sz="900" i="1" baseline="-25000" dirty="0">
@@ -9557,7 +9563,7 @@
                 <a:latin typeface="Times New Roman" panose="02020603050405020304" pitchFamily="18" charset="0"/>
                 <a:cs typeface="Times New Roman" panose="02020603050405020304" pitchFamily="18" charset="0"/>
               </a:rPr>
-              <a:t>X</a:t>
+              <a:t>Y</a:t>
             </a:r>
             <a:r>
               <a:rPr lang="en-US" sz="900" i="1" baseline="-25000" dirty="0">
@@ -9812,7 +9818,7 @@
                 <a:latin typeface="Times New Roman" panose="02020603050405020304" pitchFamily="18" charset="0"/>
                 <a:cs typeface="Times New Roman" panose="02020603050405020304" pitchFamily="18" charset="0"/>
               </a:rPr>
-              <a:t>Y</a:t>
+              <a:t>X</a:t>
             </a:r>
             <a:r>
               <a:rPr lang="en-US" sz="900" i="1" baseline="-25000" dirty="0">
@@ -9900,7 +9906,7 @@
                 <a:latin typeface="Times New Roman" panose="02020603050405020304" pitchFamily="18" charset="0"/>
                 <a:cs typeface="Times New Roman" panose="02020603050405020304" pitchFamily="18" charset="0"/>
               </a:rPr>
-              <a:t>Y</a:t>
+              <a:t>X</a:t>
             </a:r>
             <a:r>
               <a:rPr lang="en-US" sz="900" i="1" baseline="-25000" dirty="0">
@@ -9988,7 +9994,7 @@
                 <a:latin typeface="Times New Roman" panose="02020603050405020304" pitchFamily="18" charset="0"/>
                 <a:cs typeface="Times New Roman" panose="02020603050405020304" pitchFamily="18" charset="0"/>
               </a:rPr>
-              <a:t>Y</a:t>
+              <a:t>X</a:t>
             </a:r>
             <a:r>
               <a:rPr lang="en-US" sz="900" i="1" baseline="-25000" dirty="0">
@@ -10076,7 +10082,7 @@
                 <a:latin typeface="Times New Roman" panose="02020603050405020304" pitchFamily="18" charset="0"/>
                 <a:cs typeface="Times New Roman" panose="02020603050405020304" pitchFamily="18" charset="0"/>
               </a:rPr>
-              <a:t>Y</a:t>
+              <a:t>X</a:t>
             </a:r>
             <a:r>
               <a:rPr lang="en-US" sz="900" i="1" baseline="-25000" dirty="0">
@@ -10147,101 +10153,14 @@
           </p:cNvPr>
           <p:cNvCxnSpPr>
             <a:cxnSpLocks/>
+            <a:endCxn id="39" idx="2"/>
           </p:cNvCxnSpPr>
           <p:nvPr/>
         </p:nvCxnSpPr>
         <p:spPr>
-          <a:xfrm>
-            <a:off x="872765" y="1664172"/>
-            <a:ext cx="293015" cy="620806"/>
-          </a:xfrm>
-          <a:prstGeom prst="straightConnector1">
-            <a:avLst/>
-          </a:prstGeom>
-          <a:ln>
-            <a:solidFill>
-              <a:schemeClr val="tx1"/>
-            </a:solidFill>
-            <a:tailEnd type="triangle"/>
-          </a:ln>
-        </p:spPr>
-        <p:style>
-          <a:lnRef idx="1">
-            <a:schemeClr val="accent1"/>
-          </a:lnRef>
-          <a:fillRef idx="0">
-            <a:schemeClr val="accent1"/>
-          </a:fillRef>
-          <a:effectRef idx="0">
-            <a:schemeClr val="accent1"/>
-          </a:effectRef>
-          <a:fontRef idx="minor">
-            <a:schemeClr val="tx1"/>
-          </a:fontRef>
-        </p:style>
-      </p:cxnSp>
-      <p:cxnSp>
-        <p:nvCxnSpPr>
-          <p:cNvPr id="53" name="Straight Arrow Connector 52">
-            <a:extLst>
-              <a:ext uri="{FF2B5EF4-FFF2-40B4-BE49-F238E27FC236}">
-                <a16:creationId xmlns:a16="http://schemas.microsoft.com/office/drawing/2014/main" id="{1A877602-6A35-854D-8E9F-C52265C2C861}"/>
-              </a:ext>
-            </a:extLst>
-          </p:cNvPr>
-          <p:cNvCxnSpPr>
-            <a:cxnSpLocks/>
-          </p:cNvCxnSpPr>
-          <p:nvPr/>
-        </p:nvCxnSpPr>
-        <p:spPr>
-          <a:xfrm>
-            <a:off x="1550456" y="1664169"/>
-            <a:ext cx="293015" cy="620806"/>
-          </a:xfrm>
-          <a:prstGeom prst="straightConnector1">
-            <a:avLst/>
-          </a:prstGeom>
-          <a:ln>
-            <a:solidFill>
-              <a:schemeClr val="tx1"/>
-            </a:solidFill>
-            <a:tailEnd type="triangle"/>
-          </a:ln>
-        </p:spPr>
-        <p:style>
-          <a:lnRef idx="1">
-            <a:schemeClr val="accent1"/>
-          </a:lnRef>
-          <a:fillRef idx="0">
-            <a:schemeClr val="accent1"/>
-          </a:fillRef>
-          <a:effectRef idx="0">
-            <a:schemeClr val="accent1"/>
-          </a:effectRef>
-          <a:fontRef idx="minor">
-            <a:schemeClr val="tx1"/>
-          </a:fontRef>
-        </p:style>
-      </p:cxnSp>
-      <p:cxnSp>
-        <p:nvCxnSpPr>
-          <p:cNvPr id="54" name="Straight Arrow Connector 53">
-            <a:extLst>
-              <a:ext uri="{FF2B5EF4-FFF2-40B4-BE49-F238E27FC236}">
-                <a16:creationId xmlns:a16="http://schemas.microsoft.com/office/drawing/2014/main" id="{503554EE-F99F-C44E-9C36-0F24B99B7619}"/>
-              </a:ext>
-            </a:extLst>
-          </p:cNvPr>
-          <p:cNvCxnSpPr>
-            <a:cxnSpLocks/>
-          </p:cNvCxnSpPr>
-          <p:nvPr/>
-        </p:nvCxnSpPr>
-        <p:spPr>
-          <a:xfrm>
-            <a:off x="2226143" y="1655944"/>
-            <a:ext cx="293015" cy="620806"/>
+          <a:xfrm flipV="1">
+            <a:off x="677809" y="1664172"/>
+            <a:ext cx="5625" cy="625740"/>
           </a:xfrm>
           <a:prstGeom prst="straightConnector1">
             <a:avLst/>
@@ -10488,7 +10407,7 @@
                 <a:latin typeface="Times New Roman" panose="02020603050405020304" pitchFamily="18" charset="0"/>
                 <a:cs typeface="Times New Roman" panose="02020603050405020304" pitchFamily="18" charset="0"/>
               </a:rPr>
-              <a:t>X</a:t>
+              <a:t>Y</a:t>
             </a:r>
             <a:r>
               <a:rPr lang="en-US" sz="900" i="1" baseline="-25000" dirty="0">
@@ -10576,7 +10495,7 @@
                 <a:latin typeface="Times New Roman" panose="02020603050405020304" pitchFamily="18" charset="0"/>
                 <a:cs typeface="Times New Roman" panose="02020603050405020304" pitchFamily="18" charset="0"/>
               </a:rPr>
-              <a:t>X</a:t>
+              <a:t>Y</a:t>
             </a:r>
             <a:r>
               <a:rPr lang="en-US" sz="900" i="1" baseline="-25000" dirty="0">
@@ -10664,7 +10583,7 @@
                 <a:latin typeface="Times New Roman" panose="02020603050405020304" pitchFamily="18" charset="0"/>
                 <a:cs typeface="Times New Roman" panose="02020603050405020304" pitchFamily="18" charset="0"/>
               </a:rPr>
-              <a:t>X</a:t>
+              <a:t>Y</a:t>
             </a:r>
             <a:r>
               <a:rPr lang="en-US" sz="900" i="1" baseline="-25000" dirty="0">
@@ -10752,7 +10671,7 @@
                 <a:latin typeface="Times New Roman" panose="02020603050405020304" pitchFamily="18" charset="0"/>
                 <a:cs typeface="Times New Roman" panose="02020603050405020304" pitchFamily="18" charset="0"/>
               </a:rPr>
-              <a:t>X</a:t>
+              <a:t>Y</a:t>
             </a:r>
             <a:r>
               <a:rPr lang="en-US" sz="900" i="1" baseline="-25000" dirty="0">
@@ -11007,7 +10926,7 @@
                 <a:latin typeface="Times New Roman" panose="02020603050405020304" pitchFamily="18" charset="0"/>
                 <a:cs typeface="Times New Roman" panose="02020603050405020304" pitchFamily="18" charset="0"/>
               </a:rPr>
-              <a:t>Y</a:t>
+              <a:t>X</a:t>
             </a:r>
             <a:r>
               <a:rPr lang="en-US" sz="900" i="1" baseline="-25000" dirty="0">
@@ -11095,7 +11014,7 @@
                 <a:latin typeface="Times New Roman" panose="02020603050405020304" pitchFamily="18" charset="0"/>
                 <a:cs typeface="Times New Roman" panose="02020603050405020304" pitchFamily="18" charset="0"/>
               </a:rPr>
-              <a:t>Y</a:t>
+              <a:t>X</a:t>
             </a:r>
             <a:r>
               <a:rPr lang="en-US" sz="900" i="1" baseline="-25000" dirty="0">
@@ -11183,7 +11102,7 @@
                 <a:latin typeface="Times New Roman" panose="02020603050405020304" pitchFamily="18" charset="0"/>
                 <a:cs typeface="Times New Roman" panose="02020603050405020304" pitchFamily="18" charset="0"/>
               </a:rPr>
-              <a:t>Y</a:t>
+              <a:t>X</a:t>
             </a:r>
             <a:r>
               <a:rPr lang="en-US" sz="900" i="1" baseline="-25000" dirty="0">
@@ -11271,7 +11190,7 @@
                 <a:latin typeface="Times New Roman" panose="02020603050405020304" pitchFamily="18" charset="0"/>
                 <a:cs typeface="Times New Roman" panose="02020603050405020304" pitchFamily="18" charset="0"/>
               </a:rPr>
-              <a:t>Y</a:t>
+              <a:t>X</a:t>
             </a:r>
             <a:r>
               <a:rPr lang="en-US" sz="900" i="1" baseline="-25000" dirty="0">
@@ -11346,7 +11265,7 @@
           <p:nvPr/>
         </p:nvCxnSpPr>
         <p:spPr>
-          <a:xfrm>
+          <a:xfrm flipV="1">
             <a:off x="872765" y="3581135"/>
             <a:ext cx="293015" cy="620806"/>
           </a:xfrm>
@@ -11390,7 +11309,7 @@
           <p:nvPr/>
         </p:nvCxnSpPr>
         <p:spPr>
-          <a:xfrm>
+          <a:xfrm flipV="1">
             <a:off x="1550456" y="3581132"/>
             <a:ext cx="293015" cy="620806"/>
           </a:xfrm>
@@ -11434,7 +11353,7 @@
           <p:nvPr/>
         </p:nvCxnSpPr>
         <p:spPr>
-          <a:xfrm>
+          <a:xfrm flipV="1">
             <a:off x="2226143" y="3572907"/>
             <a:ext cx="293015" cy="620806"/>
           </a:xfrm>
@@ -11465,20 +11384,22 @@
       </p:cxnSp>
       <p:cxnSp>
         <p:nvCxnSpPr>
-          <p:cNvPr id="106" name="Straight Arrow Connector 105">
-            <a:extLst>
-              <a:ext uri="{FF2B5EF4-FFF2-40B4-BE49-F238E27FC236}">
-                <a16:creationId xmlns:a16="http://schemas.microsoft.com/office/drawing/2014/main" id="{B909AA7A-3AA2-E542-9B75-FED2884C3FF8}"/>
-              </a:ext>
-            </a:extLst>
-          </p:cNvPr>
-          <p:cNvCxnSpPr/>
+          <p:cNvPr id="75" name="Straight Arrow Connector 74">
+            <a:extLst>
+              <a:ext uri="{FF2B5EF4-FFF2-40B4-BE49-F238E27FC236}">
+                <a16:creationId xmlns:a16="http://schemas.microsoft.com/office/drawing/2014/main" id="{A320FD08-A3B5-2F4B-BC35-DDCFDD60E140}"/>
+              </a:ext>
+            </a:extLst>
+          </p:cNvPr>
+          <p:cNvCxnSpPr>
+            <a:cxnSpLocks/>
+          </p:cNvCxnSpPr>
           <p:nvPr/>
         </p:nvCxnSpPr>
         <p:spPr>
           <a:xfrm flipV="1">
-            <a:off x="876774" y="4379681"/>
-            <a:ext cx="289004" cy="1"/>
+            <a:off x="1346060" y="1664878"/>
+            <a:ext cx="5625" cy="625740"/>
           </a:xfrm>
           <a:prstGeom prst="straightConnector1">
             <a:avLst/>
@@ -11507,20 +11428,22 @@
       </p:cxnSp>
       <p:cxnSp>
         <p:nvCxnSpPr>
-          <p:cNvPr id="107" name="Straight Arrow Connector 106">
-            <a:extLst>
-              <a:ext uri="{FF2B5EF4-FFF2-40B4-BE49-F238E27FC236}">
-                <a16:creationId xmlns:a16="http://schemas.microsoft.com/office/drawing/2014/main" id="{DE49DA97-F968-9B4A-B313-F44BFBC703A3}"/>
-              </a:ext>
-            </a:extLst>
-          </p:cNvPr>
-          <p:cNvCxnSpPr/>
+          <p:cNvPr id="78" name="Straight Arrow Connector 77">
+            <a:extLst>
+              <a:ext uri="{FF2B5EF4-FFF2-40B4-BE49-F238E27FC236}">
+                <a16:creationId xmlns:a16="http://schemas.microsoft.com/office/drawing/2014/main" id="{87751115-FC7C-334C-88CD-E8C36563B572}"/>
+              </a:ext>
+            </a:extLst>
+          </p:cNvPr>
+          <p:cNvCxnSpPr>
+            <a:cxnSpLocks/>
+          </p:cNvCxnSpPr>
           <p:nvPr/>
         </p:nvCxnSpPr>
         <p:spPr>
           <a:xfrm flipV="1">
-            <a:off x="1552460" y="4379679"/>
-            <a:ext cx="289004" cy="1"/>
+            <a:off x="2018221" y="1658152"/>
+            <a:ext cx="5625" cy="625740"/>
           </a:xfrm>
           <a:prstGeom prst="straightConnector1">
             <a:avLst/>
@@ -11549,20 +11472,110 @@
       </p:cxnSp>
       <p:cxnSp>
         <p:nvCxnSpPr>
-          <p:cNvPr id="108" name="Straight Arrow Connector 107">
-            <a:extLst>
-              <a:ext uri="{FF2B5EF4-FFF2-40B4-BE49-F238E27FC236}">
-                <a16:creationId xmlns:a16="http://schemas.microsoft.com/office/drawing/2014/main" id="{C92B96FC-CCE6-CF40-BA77-23EC4ED28954}"/>
-              </a:ext>
-            </a:extLst>
-          </p:cNvPr>
-          <p:cNvCxnSpPr/>
+          <p:cNvPr id="79" name="Straight Arrow Connector 78">
+            <a:extLst>
+              <a:ext uri="{FF2B5EF4-FFF2-40B4-BE49-F238E27FC236}">
+                <a16:creationId xmlns:a16="http://schemas.microsoft.com/office/drawing/2014/main" id="{923EC050-09D2-2D4C-9704-8A1122FF6D35}"/>
+              </a:ext>
+            </a:extLst>
+          </p:cNvPr>
+          <p:cNvCxnSpPr>
+            <a:cxnSpLocks/>
+          </p:cNvCxnSpPr>
           <p:nvPr/>
         </p:nvCxnSpPr>
         <p:spPr>
           <a:xfrm flipV="1">
-            <a:off x="2228147" y="4379982"/>
-            <a:ext cx="289004" cy="1"/>
+            <a:off x="680010" y="3576198"/>
+            <a:ext cx="5625" cy="625740"/>
+          </a:xfrm>
+          <a:prstGeom prst="straightConnector1">
+            <a:avLst/>
+          </a:prstGeom>
+          <a:ln>
+            <a:solidFill>
+              <a:schemeClr val="tx1"/>
+            </a:solidFill>
+            <a:tailEnd type="triangle"/>
+          </a:ln>
+        </p:spPr>
+        <p:style>
+          <a:lnRef idx="1">
+            <a:schemeClr val="accent1"/>
+          </a:lnRef>
+          <a:fillRef idx="0">
+            <a:schemeClr val="accent1"/>
+          </a:fillRef>
+          <a:effectRef idx="0">
+            <a:schemeClr val="accent1"/>
+          </a:effectRef>
+          <a:fontRef idx="minor">
+            <a:schemeClr val="tx1"/>
+          </a:fontRef>
+        </p:style>
+      </p:cxnSp>
+      <p:cxnSp>
+        <p:nvCxnSpPr>
+          <p:cNvPr id="80" name="Straight Arrow Connector 79">
+            <a:extLst>
+              <a:ext uri="{FF2B5EF4-FFF2-40B4-BE49-F238E27FC236}">
+                <a16:creationId xmlns:a16="http://schemas.microsoft.com/office/drawing/2014/main" id="{AA6C95BE-6335-4E45-BE02-667BA3991D4A}"/>
+              </a:ext>
+            </a:extLst>
+          </p:cNvPr>
+          <p:cNvCxnSpPr>
+            <a:cxnSpLocks/>
+          </p:cNvCxnSpPr>
+          <p:nvPr/>
+        </p:nvCxnSpPr>
+        <p:spPr>
+          <a:xfrm flipV="1">
+            <a:off x="1348261" y="3576904"/>
+            <a:ext cx="5625" cy="625740"/>
+          </a:xfrm>
+          <a:prstGeom prst="straightConnector1">
+            <a:avLst/>
+          </a:prstGeom>
+          <a:ln>
+            <a:solidFill>
+              <a:schemeClr val="tx1"/>
+            </a:solidFill>
+            <a:tailEnd type="triangle"/>
+          </a:ln>
+        </p:spPr>
+        <p:style>
+          <a:lnRef idx="1">
+            <a:schemeClr val="accent1"/>
+          </a:lnRef>
+          <a:fillRef idx="0">
+            <a:schemeClr val="accent1"/>
+          </a:fillRef>
+          <a:effectRef idx="0">
+            <a:schemeClr val="accent1"/>
+          </a:effectRef>
+          <a:fontRef idx="minor">
+            <a:schemeClr val="tx1"/>
+          </a:fontRef>
+        </p:style>
+      </p:cxnSp>
+      <p:cxnSp>
+        <p:nvCxnSpPr>
+          <p:cNvPr id="81" name="Straight Arrow Connector 80">
+            <a:extLst>
+              <a:ext uri="{FF2B5EF4-FFF2-40B4-BE49-F238E27FC236}">
+                <a16:creationId xmlns:a16="http://schemas.microsoft.com/office/drawing/2014/main" id="{B6FD1C40-E074-3747-BFAB-C5CDD790CC8E}"/>
+              </a:ext>
+            </a:extLst>
+          </p:cNvPr>
+          <p:cNvCxnSpPr>
+            <a:cxnSpLocks/>
+          </p:cNvCxnSpPr>
+          <p:nvPr/>
+        </p:nvCxnSpPr>
+        <p:spPr>
+          <a:xfrm flipV="1">
+            <a:off x="2020422" y="3570178"/>
+            <a:ext cx="5625" cy="625740"/>
           </a:xfrm>
           <a:prstGeom prst="straightConnector1">
             <a:avLst/>
@@ -11593,6 +11606,3428 @@
     <p:extLst>
       <p:ext uri="{BB962C8B-B14F-4D97-AF65-F5344CB8AC3E}">
         <p14:creationId xmlns:p14="http://schemas.microsoft.com/office/powerpoint/2010/main" val="2494507821"/>
+      </p:ext>
+    </p:extLst>
+  </p:cSld>
+  <p:clrMapOvr>
+    <a:masterClrMapping/>
+  </p:clrMapOvr>
+</p:sld>
+</file>
+
+<file path=ppt/slides/slide6.xml><?xml version="1.0" encoding="utf-8"?>
+<p:sld xmlns:a="http://schemas.openxmlformats.org/drawingml/2006/main" xmlns:r="http://schemas.openxmlformats.org/officeDocument/2006/relationships" xmlns:p="http://schemas.openxmlformats.org/presentationml/2006/main">
+  <p:cSld>
+    <p:spTree>
+      <p:nvGrpSpPr>
+        <p:cNvPr id="1" name=""/>
+        <p:cNvGrpSpPr/>
+        <p:nvPr/>
+      </p:nvGrpSpPr>
+      <p:grpSpPr>
+        <a:xfrm>
+          <a:off x="0" y="0"/>
+          <a:ext cx="0" cy="0"/>
+          <a:chOff x="0" y="0"/>
+          <a:chExt cx="0" cy="0"/>
+        </a:xfrm>
+      </p:grpSpPr>
+      <p:sp>
+        <p:nvSpPr>
+          <p:cNvPr id="4" name="Rectangle 3">
+            <a:extLst>
+              <a:ext uri="{FF2B5EF4-FFF2-40B4-BE49-F238E27FC236}">
+                <a16:creationId xmlns:a16="http://schemas.microsoft.com/office/drawing/2014/main" id="{F058080B-9A84-224D-B3B3-E517502D8470}"/>
+              </a:ext>
+            </a:extLst>
+          </p:cNvPr>
+          <p:cNvSpPr/>
+          <p:nvPr/>
+        </p:nvSpPr>
+        <p:spPr>
+          <a:xfrm>
+            <a:off x="444626" y="4853991"/>
+            <a:ext cx="393519" cy="393446"/>
+          </a:xfrm>
+          <a:prstGeom prst="rect">
+            <a:avLst/>
+          </a:prstGeom>
+          <a:solidFill>
+            <a:schemeClr val="bg1"/>
+          </a:solidFill>
+          <a:ln w="3175">
+            <a:solidFill>
+              <a:schemeClr val="tx1">
+                <a:lumMod val="65000"/>
+                <a:lumOff val="35000"/>
+              </a:schemeClr>
+            </a:solidFill>
+          </a:ln>
+        </p:spPr>
+        <p:style>
+          <a:lnRef idx="2">
+            <a:schemeClr val="accent1">
+              <a:shade val="50000"/>
+            </a:schemeClr>
+          </a:lnRef>
+          <a:fillRef idx="1">
+            <a:schemeClr val="accent1"/>
+          </a:fillRef>
+          <a:effectRef idx="0">
+            <a:schemeClr val="accent1"/>
+          </a:effectRef>
+          <a:fontRef idx="minor">
+            <a:schemeClr val="lt1"/>
+          </a:fontRef>
+        </p:style>
+        <p:txBody>
+          <a:bodyPr rot="0" spcFirstLastPara="0" vertOverflow="overflow" horzOverflow="overflow" vert="horz" wrap="square" lIns="68580" tIns="34290" rIns="68580" bIns="34290" numCol="1" spcCol="0" rtlCol="0" fromWordArt="0" anchor="ctr" anchorCtr="0" forceAA="0" compatLnSpc="1">
+            <a:prstTxWarp prst="textNoShape">
+              <a:avLst/>
+            </a:prstTxWarp>
+            <a:noAutofit/>
+          </a:bodyPr>
+          <a:lstStyle/>
+          <a:p>
+            <a:pPr algn="ctr"/>
+            <a:r>
+              <a:rPr lang="en-US" sz="900" i="1" dirty="0">
+                <a:solidFill>
+                  <a:schemeClr val="tx1"/>
+                </a:solidFill>
+                <a:latin typeface="Times New Roman" panose="02020603050405020304" pitchFamily="18" charset="0"/>
+                <a:cs typeface="Times New Roman" panose="02020603050405020304" pitchFamily="18" charset="0"/>
+              </a:rPr>
+              <a:t>Y</a:t>
+            </a:r>
+            <a:r>
+              <a:rPr lang="en-US" sz="900" i="1" baseline="-25000" dirty="0">
+                <a:solidFill>
+                  <a:schemeClr val="tx1"/>
+                </a:solidFill>
+                <a:latin typeface="Times New Roman" panose="02020603050405020304" pitchFamily="18" charset="0"/>
+                <a:cs typeface="Times New Roman" panose="02020603050405020304" pitchFamily="18" charset="0"/>
+              </a:rPr>
+              <a:t>t</a:t>
+            </a:r>
+            <a:endParaRPr lang="en-US" sz="900" i="1" dirty="0">
+              <a:solidFill>
+                <a:schemeClr val="tx1"/>
+              </a:solidFill>
+              <a:latin typeface="Times New Roman" panose="02020603050405020304" pitchFamily="18" charset="0"/>
+              <a:cs typeface="Times New Roman" panose="02020603050405020304" pitchFamily="18" charset="0"/>
+            </a:endParaRPr>
+          </a:p>
+        </p:txBody>
+      </p:sp>
+      <p:sp>
+        <p:nvSpPr>
+          <p:cNvPr id="5" name="Rectangle 4">
+            <a:extLst>
+              <a:ext uri="{FF2B5EF4-FFF2-40B4-BE49-F238E27FC236}">
+                <a16:creationId xmlns:a16="http://schemas.microsoft.com/office/drawing/2014/main" id="{B8ABBE57-8F4B-0E4B-9BC1-848201CB58F2}"/>
+              </a:ext>
+            </a:extLst>
+          </p:cNvPr>
+          <p:cNvSpPr/>
+          <p:nvPr/>
+        </p:nvSpPr>
+        <p:spPr>
+          <a:xfrm>
+            <a:off x="1132259" y="4853991"/>
+            <a:ext cx="393519" cy="393446"/>
+          </a:xfrm>
+          <a:prstGeom prst="rect">
+            <a:avLst/>
+          </a:prstGeom>
+          <a:solidFill>
+            <a:schemeClr val="bg1"/>
+          </a:solidFill>
+          <a:ln w="3175">
+            <a:solidFill>
+              <a:schemeClr val="tx1">
+                <a:lumMod val="65000"/>
+                <a:lumOff val="35000"/>
+              </a:schemeClr>
+            </a:solidFill>
+          </a:ln>
+        </p:spPr>
+        <p:style>
+          <a:lnRef idx="2">
+            <a:schemeClr val="accent1">
+              <a:shade val="50000"/>
+            </a:schemeClr>
+          </a:lnRef>
+          <a:fillRef idx="1">
+            <a:schemeClr val="accent1"/>
+          </a:fillRef>
+          <a:effectRef idx="0">
+            <a:schemeClr val="accent1"/>
+          </a:effectRef>
+          <a:fontRef idx="minor">
+            <a:schemeClr val="lt1"/>
+          </a:fontRef>
+        </p:style>
+        <p:txBody>
+          <a:bodyPr rot="0" spcFirstLastPara="0" vertOverflow="overflow" horzOverflow="overflow" vert="horz" wrap="square" lIns="68580" tIns="34290" rIns="68580" bIns="34290" numCol="1" spcCol="0" rtlCol="0" fromWordArt="0" anchor="ctr" anchorCtr="0" forceAA="0" compatLnSpc="1">
+            <a:prstTxWarp prst="textNoShape">
+              <a:avLst/>
+            </a:prstTxWarp>
+            <a:noAutofit/>
+          </a:bodyPr>
+          <a:lstStyle/>
+          <a:p>
+            <a:pPr algn="ctr"/>
+            <a:r>
+              <a:rPr lang="en-US" sz="900" i="1" dirty="0">
+                <a:solidFill>
+                  <a:schemeClr val="tx1"/>
+                </a:solidFill>
+                <a:latin typeface="Times New Roman" panose="02020603050405020304" pitchFamily="18" charset="0"/>
+                <a:cs typeface="Times New Roman" panose="02020603050405020304" pitchFamily="18" charset="0"/>
+              </a:rPr>
+              <a:t>Y</a:t>
+            </a:r>
+            <a:r>
+              <a:rPr lang="en-US" sz="900" i="1" baseline="-25000" dirty="0">
+                <a:solidFill>
+                  <a:schemeClr val="tx1"/>
+                </a:solidFill>
+                <a:latin typeface="Times New Roman" panose="02020603050405020304" pitchFamily="18" charset="0"/>
+                <a:cs typeface="Times New Roman" panose="02020603050405020304" pitchFamily="18" charset="0"/>
+              </a:rPr>
+              <a:t>t + 1</a:t>
+            </a:r>
+            <a:endParaRPr lang="en-US" sz="900" i="1" dirty="0">
+              <a:solidFill>
+                <a:schemeClr val="tx1"/>
+              </a:solidFill>
+              <a:latin typeface="Times New Roman" panose="02020603050405020304" pitchFamily="18" charset="0"/>
+              <a:cs typeface="Times New Roman" panose="02020603050405020304" pitchFamily="18" charset="0"/>
+            </a:endParaRPr>
+          </a:p>
+        </p:txBody>
+      </p:sp>
+      <p:sp>
+        <p:nvSpPr>
+          <p:cNvPr id="6" name="Rectangle 5">
+            <a:extLst>
+              <a:ext uri="{FF2B5EF4-FFF2-40B4-BE49-F238E27FC236}">
+                <a16:creationId xmlns:a16="http://schemas.microsoft.com/office/drawing/2014/main" id="{A83E7CF1-F7FE-5749-BD85-9156C8D6680E}"/>
+              </a:ext>
+            </a:extLst>
+          </p:cNvPr>
+          <p:cNvSpPr/>
+          <p:nvPr/>
+        </p:nvSpPr>
+        <p:spPr>
+          <a:xfrm>
+            <a:off x="1819892" y="4853990"/>
+            <a:ext cx="393519" cy="393446"/>
+          </a:xfrm>
+          <a:prstGeom prst="rect">
+            <a:avLst/>
+          </a:prstGeom>
+          <a:solidFill>
+            <a:schemeClr val="bg1"/>
+          </a:solidFill>
+          <a:ln w="3175">
+            <a:solidFill>
+              <a:schemeClr val="tx1">
+                <a:lumMod val="65000"/>
+                <a:lumOff val="35000"/>
+              </a:schemeClr>
+            </a:solidFill>
+          </a:ln>
+        </p:spPr>
+        <p:style>
+          <a:lnRef idx="2">
+            <a:schemeClr val="accent1">
+              <a:shade val="50000"/>
+            </a:schemeClr>
+          </a:lnRef>
+          <a:fillRef idx="1">
+            <a:schemeClr val="accent1"/>
+          </a:fillRef>
+          <a:effectRef idx="0">
+            <a:schemeClr val="accent1"/>
+          </a:effectRef>
+          <a:fontRef idx="minor">
+            <a:schemeClr val="lt1"/>
+          </a:fontRef>
+        </p:style>
+        <p:txBody>
+          <a:bodyPr rot="0" spcFirstLastPara="0" vertOverflow="overflow" horzOverflow="overflow" vert="horz" wrap="square" lIns="68580" tIns="34290" rIns="68580" bIns="34290" numCol="1" spcCol="0" rtlCol="0" fromWordArt="0" anchor="ctr" anchorCtr="0" forceAA="0" compatLnSpc="1">
+            <a:prstTxWarp prst="textNoShape">
+              <a:avLst/>
+            </a:prstTxWarp>
+            <a:noAutofit/>
+          </a:bodyPr>
+          <a:lstStyle/>
+          <a:p>
+            <a:pPr algn="ctr"/>
+            <a:r>
+              <a:rPr lang="en-US" sz="900" i="1" dirty="0">
+                <a:solidFill>
+                  <a:schemeClr val="tx1"/>
+                </a:solidFill>
+                <a:latin typeface="Times New Roman" panose="02020603050405020304" pitchFamily="18" charset="0"/>
+                <a:cs typeface="Times New Roman" panose="02020603050405020304" pitchFamily="18" charset="0"/>
+              </a:rPr>
+              <a:t>Y</a:t>
+            </a:r>
+            <a:r>
+              <a:rPr lang="en-US" sz="900" i="1" baseline="-25000" dirty="0">
+                <a:solidFill>
+                  <a:schemeClr val="tx1"/>
+                </a:solidFill>
+                <a:latin typeface="Times New Roman" panose="02020603050405020304" pitchFamily="18" charset="0"/>
+                <a:cs typeface="Times New Roman" panose="02020603050405020304" pitchFamily="18" charset="0"/>
+              </a:rPr>
+              <a:t>t + 2</a:t>
+            </a:r>
+            <a:endParaRPr lang="en-US" sz="900" i="1" dirty="0">
+              <a:solidFill>
+                <a:schemeClr val="tx1"/>
+              </a:solidFill>
+              <a:latin typeface="Times New Roman" panose="02020603050405020304" pitchFamily="18" charset="0"/>
+              <a:cs typeface="Times New Roman" panose="02020603050405020304" pitchFamily="18" charset="0"/>
+            </a:endParaRPr>
+          </a:p>
+        </p:txBody>
+      </p:sp>
+      <p:sp>
+        <p:nvSpPr>
+          <p:cNvPr id="7" name="Rectangle 6">
+            <a:extLst>
+              <a:ext uri="{FF2B5EF4-FFF2-40B4-BE49-F238E27FC236}">
+                <a16:creationId xmlns:a16="http://schemas.microsoft.com/office/drawing/2014/main" id="{3D5EC1FE-6BBB-AC45-ACE5-81127A79E976}"/>
+              </a:ext>
+            </a:extLst>
+          </p:cNvPr>
+          <p:cNvSpPr/>
+          <p:nvPr/>
+        </p:nvSpPr>
+        <p:spPr>
+          <a:xfrm>
+            <a:off x="2948696" y="4853990"/>
+            <a:ext cx="393519" cy="393446"/>
+          </a:xfrm>
+          <a:prstGeom prst="rect">
+            <a:avLst/>
+          </a:prstGeom>
+          <a:solidFill>
+            <a:schemeClr val="bg1"/>
+          </a:solidFill>
+          <a:ln w="3175">
+            <a:solidFill>
+              <a:schemeClr val="tx1">
+                <a:lumMod val="65000"/>
+                <a:lumOff val="35000"/>
+              </a:schemeClr>
+            </a:solidFill>
+          </a:ln>
+        </p:spPr>
+        <p:style>
+          <a:lnRef idx="2">
+            <a:schemeClr val="accent1">
+              <a:shade val="50000"/>
+            </a:schemeClr>
+          </a:lnRef>
+          <a:fillRef idx="1">
+            <a:schemeClr val="accent1"/>
+          </a:fillRef>
+          <a:effectRef idx="0">
+            <a:schemeClr val="accent1"/>
+          </a:effectRef>
+          <a:fontRef idx="minor">
+            <a:schemeClr val="lt1"/>
+          </a:fontRef>
+        </p:style>
+        <p:txBody>
+          <a:bodyPr rot="0" spcFirstLastPara="0" vertOverflow="overflow" horzOverflow="overflow" vert="horz" wrap="square" lIns="68580" tIns="34290" rIns="68580" bIns="34290" numCol="1" spcCol="0" rtlCol="0" fromWordArt="0" anchor="ctr" anchorCtr="0" forceAA="0" compatLnSpc="1">
+            <a:prstTxWarp prst="textNoShape">
+              <a:avLst/>
+            </a:prstTxWarp>
+            <a:noAutofit/>
+          </a:bodyPr>
+          <a:lstStyle/>
+          <a:p>
+            <a:pPr algn="ctr"/>
+            <a:r>
+              <a:rPr lang="en-US" sz="900" i="1" dirty="0">
+                <a:solidFill>
+                  <a:schemeClr val="tx1"/>
+                </a:solidFill>
+                <a:latin typeface="Times New Roman" panose="02020603050405020304" pitchFamily="18" charset="0"/>
+                <a:cs typeface="Times New Roman" panose="02020603050405020304" pitchFamily="18" charset="0"/>
+              </a:rPr>
+              <a:t>Y</a:t>
+            </a:r>
+            <a:r>
+              <a:rPr lang="en-US" sz="900" i="1" baseline="-25000" dirty="0">
+                <a:solidFill>
+                  <a:schemeClr val="tx1"/>
+                </a:solidFill>
+                <a:latin typeface="Times New Roman" panose="02020603050405020304" pitchFamily="18" charset="0"/>
+                <a:cs typeface="Times New Roman" panose="02020603050405020304" pitchFamily="18" charset="0"/>
+              </a:rPr>
+              <a:t>t + n</a:t>
+            </a:r>
+            <a:endParaRPr lang="en-US" sz="900" i="1" dirty="0">
+              <a:solidFill>
+                <a:schemeClr val="tx1"/>
+              </a:solidFill>
+              <a:latin typeface="Times New Roman" panose="02020603050405020304" pitchFamily="18" charset="0"/>
+              <a:cs typeface="Times New Roman" panose="02020603050405020304" pitchFamily="18" charset="0"/>
+            </a:endParaRPr>
+          </a:p>
+        </p:txBody>
+      </p:sp>
+      <p:sp>
+        <p:nvSpPr>
+          <p:cNvPr id="8" name="TextBox 7">
+            <a:extLst>
+              <a:ext uri="{FF2B5EF4-FFF2-40B4-BE49-F238E27FC236}">
+                <a16:creationId xmlns:a16="http://schemas.microsoft.com/office/drawing/2014/main" id="{2D250754-CF6A-264A-A70E-FE7E43B57FD2}"/>
+              </a:ext>
+            </a:extLst>
+          </p:cNvPr>
+          <p:cNvSpPr txBox="1"/>
+          <p:nvPr/>
+        </p:nvSpPr>
+        <p:spPr>
+          <a:xfrm>
+            <a:off x="2499363" y="4953598"/>
+            <a:ext cx="338554" cy="276999"/>
+          </a:xfrm>
+          <a:prstGeom prst="rect">
+            <a:avLst/>
+          </a:prstGeom>
+          <a:noFill/>
+        </p:spPr>
+        <p:txBody>
+          <a:bodyPr wrap="none" rtlCol="0">
+            <a:spAutoFit/>
+          </a:bodyPr>
+          <a:lstStyle/>
+          <a:p>
+            <a:r>
+              <a:rPr lang="en-US" sz="1200" dirty="0">
+                <a:latin typeface="Times New Roman" panose="02020603050405020304" pitchFamily="18" charset="0"/>
+                <a:cs typeface="Times New Roman" panose="02020603050405020304" pitchFamily="18" charset="0"/>
+              </a:rPr>
+              <a:t>…</a:t>
+            </a:r>
+          </a:p>
+        </p:txBody>
+      </p:sp>
+      <p:cxnSp>
+        <p:nvCxnSpPr>
+          <p:cNvPr id="10" name="Straight Arrow Connector 9">
+            <a:extLst>
+              <a:ext uri="{FF2B5EF4-FFF2-40B4-BE49-F238E27FC236}">
+                <a16:creationId xmlns:a16="http://schemas.microsoft.com/office/drawing/2014/main" id="{DA6BBA7E-5309-E444-8C48-C4C18424A92E}"/>
+              </a:ext>
+            </a:extLst>
+          </p:cNvPr>
+          <p:cNvCxnSpPr>
+            <a:stCxn id="4" idx="3"/>
+            <a:endCxn id="5" idx="1"/>
+          </p:cNvCxnSpPr>
+          <p:nvPr/>
+        </p:nvCxnSpPr>
+        <p:spPr>
+          <a:xfrm flipV="1">
+            <a:off x="838145" y="5050714"/>
+            <a:ext cx="294114" cy="1"/>
+          </a:xfrm>
+          <a:prstGeom prst="straightConnector1">
+            <a:avLst/>
+          </a:prstGeom>
+          <a:ln>
+            <a:solidFill>
+              <a:schemeClr val="tx1"/>
+            </a:solidFill>
+            <a:tailEnd type="triangle"/>
+          </a:ln>
+        </p:spPr>
+        <p:style>
+          <a:lnRef idx="1">
+            <a:schemeClr val="accent1"/>
+          </a:lnRef>
+          <a:fillRef idx="0">
+            <a:schemeClr val="accent1"/>
+          </a:fillRef>
+          <a:effectRef idx="0">
+            <a:schemeClr val="accent1"/>
+          </a:effectRef>
+          <a:fontRef idx="minor">
+            <a:schemeClr val="tx1"/>
+          </a:fontRef>
+        </p:style>
+      </p:cxnSp>
+      <p:cxnSp>
+        <p:nvCxnSpPr>
+          <p:cNvPr id="11" name="Straight Arrow Connector 10">
+            <a:extLst>
+              <a:ext uri="{FF2B5EF4-FFF2-40B4-BE49-F238E27FC236}">
+                <a16:creationId xmlns:a16="http://schemas.microsoft.com/office/drawing/2014/main" id="{EDB5639D-2A9F-B645-9C04-FA55F10EA55B}"/>
+              </a:ext>
+            </a:extLst>
+          </p:cNvPr>
+          <p:cNvCxnSpPr/>
+          <p:nvPr/>
+        </p:nvCxnSpPr>
+        <p:spPr>
+          <a:xfrm flipV="1">
+            <a:off x="1525778" y="5050712"/>
+            <a:ext cx="294114" cy="1"/>
+          </a:xfrm>
+          <a:prstGeom prst="straightConnector1">
+            <a:avLst/>
+          </a:prstGeom>
+          <a:ln>
+            <a:solidFill>
+              <a:schemeClr val="tx1"/>
+            </a:solidFill>
+            <a:tailEnd type="triangle"/>
+          </a:ln>
+        </p:spPr>
+        <p:style>
+          <a:lnRef idx="1">
+            <a:schemeClr val="accent1"/>
+          </a:lnRef>
+          <a:fillRef idx="0">
+            <a:schemeClr val="accent1"/>
+          </a:fillRef>
+          <a:effectRef idx="0">
+            <a:schemeClr val="accent1"/>
+          </a:effectRef>
+          <a:fontRef idx="minor">
+            <a:schemeClr val="tx1"/>
+          </a:fontRef>
+        </p:style>
+      </p:cxnSp>
+      <p:cxnSp>
+        <p:nvCxnSpPr>
+          <p:cNvPr id="12" name="Straight Arrow Connector 11">
+            <a:extLst>
+              <a:ext uri="{FF2B5EF4-FFF2-40B4-BE49-F238E27FC236}">
+                <a16:creationId xmlns:a16="http://schemas.microsoft.com/office/drawing/2014/main" id="{3320A110-1759-A745-8CB8-52668A15E0D8}"/>
+              </a:ext>
+            </a:extLst>
+          </p:cNvPr>
+          <p:cNvCxnSpPr/>
+          <p:nvPr/>
+        </p:nvCxnSpPr>
+        <p:spPr>
+          <a:xfrm flipV="1">
+            <a:off x="2213411" y="5051026"/>
+            <a:ext cx="294114" cy="1"/>
+          </a:xfrm>
+          <a:prstGeom prst="straightConnector1">
+            <a:avLst/>
+          </a:prstGeom>
+          <a:ln>
+            <a:solidFill>
+              <a:schemeClr val="tx1"/>
+            </a:solidFill>
+            <a:tailEnd type="triangle"/>
+          </a:ln>
+        </p:spPr>
+        <p:style>
+          <a:lnRef idx="1">
+            <a:schemeClr val="accent1"/>
+          </a:lnRef>
+          <a:fillRef idx="0">
+            <a:schemeClr val="accent1"/>
+          </a:fillRef>
+          <a:effectRef idx="0">
+            <a:schemeClr val="accent1"/>
+          </a:effectRef>
+          <a:fontRef idx="minor">
+            <a:schemeClr val="tx1"/>
+          </a:fontRef>
+        </p:style>
+      </p:cxnSp>
+      <p:sp>
+        <p:nvSpPr>
+          <p:cNvPr id="14" name="Rectangle 13">
+            <a:extLst>
+              <a:ext uri="{FF2B5EF4-FFF2-40B4-BE49-F238E27FC236}">
+                <a16:creationId xmlns:a16="http://schemas.microsoft.com/office/drawing/2014/main" id="{7ADE5838-8C9D-9C40-AB9A-CB9ECD57A41C}"/>
+              </a:ext>
+            </a:extLst>
+          </p:cNvPr>
+          <p:cNvSpPr/>
+          <p:nvPr/>
+        </p:nvSpPr>
+        <p:spPr>
+          <a:xfrm>
+            <a:off x="444625" y="5889130"/>
+            <a:ext cx="393519" cy="393446"/>
+          </a:xfrm>
+          <a:prstGeom prst="rect">
+            <a:avLst/>
+          </a:prstGeom>
+          <a:solidFill>
+            <a:schemeClr val="bg1"/>
+          </a:solidFill>
+          <a:ln w="3175">
+            <a:solidFill>
+              <a:schemeClr val="tx1">
+                <a:lumMod val="65000"/>
+                <a:lumOff val="35000"/>
+              </a:schemeClr>
+            </a:solidFill>
+          </a:ln>
+        </p:spPr>
+        <p:style>
+          <a:lnRef idx="2">
+            <a:schemeClr val="accent1">
+              <a:shade val="50000"/>
+            </a:schemeClr>
+          </a:lnRef>
+          <a:fillRef idx="1">
+            <a:schemeClr val="accent1"/>
+          </a:fillRef>
+          <a:effectRef idx="0">
+            <a:schemeClr val="accent1"/>
+          </a:effectRef>
+          <a:fontRef idx="minor">
+            <a:schemeClr val="lt1"/>
+          </a:fontRef>
+        </p:style>
+        <p:txBody>
+          <a:bodyPr rot="0" spcFirstLastPara="0" vertOverflow="overflow" horzOverflow="overflow" vert="horz" wrap="square" lIns="68580" tIns="34290" rIns="68580" bIns="34290" numCol="1" spcCol="0" rtlCol="0" fromWordArt="0" anchor="ctr" anchorCtr="0" forceAA="0" compatLnSpc="1">
+            <a:prstTxWarp prst="textNoShape">
+              <a:avLst/>
+            </a:prstTxWarp>
+            <a:noAutofit/>
+          </a:bodyPr>
+          <a:lstStyle/>
+          <a:p>
+            <a:pPr algn="ctr"/>
+            <a:r>
+              <a:rPr lang="en-US" sz="900" i="1" dirty="0">
+                <a:solidFill>
+                  <a:schemeClr val="tx1"/>
+                </a:solidFill>
+                <a:latin typeface="Times New Roman" panose="02020603050405020304" pitchFamily="18" charset="0"/>
+                <a:cs typeface="Times New Roman" panose="02020603050405020304" pitchFamily="18" charset="0"/>
+              </a:rPr>
+              <a:t>X</a:t>
+            </a:r>
+            <a:r>
+              <a:rPr lang="en-US" sz="900" i="1" baseline="-25000" dirty="0">
+                <a:solidFill>
+                  <a:schemeClr val="tx1"/>
+                </a:solidFill>
+                <a:latin typeface="Times New Roman" panose="02020603050405020304" pitchFamily="18" charset="0"/>
+                <a:cs typeface="Times New Roman" panose="02020603050405020304" pitchFamily="18" charset="0"/>
+              </a:rPr>
+              <a:t>t</a:t>
+            </a:r>
+            <a:endParaRPr lang="en-US" sz="900" i="1" dirty="0">
+              <a:solidFill>
+                <a:schemeClr val="tx1"/>
+              </a:solidFill>
+              <a:latin typeface="Times New Roman" panose="02020603050405020304" pitchFamily="18" charset="0"/>
+              <a:cs typeface="Times New Roman" panose="02020603050405020304" pitchFamily="18" charset="0"/>
+            </a:endParaRPr>
+          </a:p>
+        </p:txBody>
+      </p:sp>
+      <p:sp>
+        <p:nvSpPr>
+          <p:cNvPr id="15" name="Rectangle 14">
+            <a:extLst>
+              <a:ext uri="{FF2B5EF4-FFF2-40B4-BE49-F238E27FC236}">
+                <a16:creationId xmlns:a16="http://schemas.microsoft.com/office/drawing/2014/main" id="{FF9E826C-6FE2-8940-9EAF-D313DA73B23D}"/>
+              </a:ext>
+            </a:extLst>
+          </p:cNvPr>
+          <p:cNvSpPr/>
+          <p:nvPr/>
+        </p:nvSpPr>
+        <p:spPr>
+          <a:xfrm>
+            <a:off x="1132259" y="5889130"/>
+            <a:ext cx="393519" cy="393446"/>
+          </a:xfrm>
+          <a:prstGeom prst="rect">
+            <a:avLst/>
+          </a:prstGeom>
+          <a:solidFill>
+            <a:schemeClr val="bg1"/>
+          </a:solidFill>
+          <a:ln w="3175">
+            <a:solidFill>
+              <a:schemeClr val="tx1">
+                <a:lumMod val="65000"/>
+                <a:lumOff val="35000"/>
+              </a:schemeClr>
+            </a:solidFill>
+          </a:ln>
+        </p:spPr>
+        <p:style>
+          <a:lnRef idx="2">
+            <a:schemeClr val="accent1">
+              <a:shade val="50000"/>
+            </a:schemeClr>
+          </a:lnRef>
+          <a:fillRef idx="1">
+            <a:schemeClr val="accent1"/>
+          </a:fillRef>
+          <a:effectRef idx="0">
+            <a:schemeClr val="accent1"/>
+          </a:effectRef>
+          <a:fontRef idx="minor">
+            <a:schemeClr val="lt1"/>
+          </a:fontRef>
+        </p:style>
+        <p:txBody>
+          <a:bodyPr rot="0" spcFirstLastPara="0" vertOverflow="overflow" horzOverflow="overflow" vert="horz" wrap="square" lIns="68580" tIns="34290" rIns="68580" bIns="34290" numCol="1" spcCol="0" rtlCol="0" fromWordArt="0" anchor="ctr" anchorCtr="0" forceAA="0" compatLnSpc="1">
+            <a:prstTxWarp prst="textNoShape">
+              <a:avLst/>
+            </a:prstTxWarp>
+            <a:noAutofit/>
+          </a:bodyPr>
+          <a:lstStyle/>
+          <a:p>
+            <a:pPr algn="ctr"/>
+            <a:r>
+              <a:rPr lang="en-US" sz="900" i="1" dirty="0">
+                <a:solidFill>
+                  <a:schemeClr val="tx1"/>
+                </a:solidFill>
+                <a:latin typeface="Times New Roman" panose="02020603050405020304" pitchFamily="18" charset="0"/>
+                <a:cs typeface="Times New Roman" panose="02020603050405020304" pitchFamily="18" charset="0"/>
+              </a:rPr>
+              <a:t>X</a:t>
+            </a:r>
+            <a:r>
+              <a:rPr lang="en-US" sz="900" i="1" baseline="-25000" dirty="0">
+                <a:solidFill>
+                  <a:schemeClr val="tx1"/>
+                </a:solidFill>
+                <a:latin typeface="Times New Roman" panose="02020603050405020304" pitchFamily="18" charset="0"/>
+                <a:cs typeface="Times New Roman" panose="02020603050405020304" pitchFamily="18" charset="0"/>
+              </a:rPr>
+              <a:t>t + 1</a:t>
+            </a:r>
+            <a:endParaRPr lang="en-US" sz="900" i="1" dirty="0">
+              <a:solidFill>
+                <a:schemeClr val="tx1"/>
+              </a:solidFill>
+              <a:latin typeface="Times New Roman" panose="02020603050405020304" pitchFamily="18" charset="0"/>
+              <a:cs typeface="Times New Roman" panose="02020603050405020304" pitchFamily="18" charset="0"/>
+            </a:endParaRPr>
+          </a:p>
+        </p:txBody>
+      </p:sp>
+      <p:sp>
+        <p:nvSpPr>
+          <p:cNvPr id="16" name="Rectangle 15">
+            <a:extLst>
+              <a:ext uri="{FF2B5EF4-FFF2-40B4-BE49-F238E27FC236}">
+                <a16:creationId xmlns:a16="http://schemas.microsoft.com/office/drawing/2014/main" id="{ACE2C6CF-F479-8647-B1DA-052301274769}"/>
+              </a:ext>
+            </a:extLst>
+          </p:cNvPr>
+          <p:cNvSpPr/>
+          <p:nvPr/>
+        </p:nvSpPr>
+        <p:spPr>
+          <a:xfrm>
+            <a:off x="1819891" y="5889130"/>
+            <a:ext cx="393519" cy="393446"/>
+          </a:xfrm>
+          <a:prstGeom prst="rect">
+            <a:avLst/>
+          </a:prstGeom>
+          <a:solidFill>
+            <a:schemeClr val="bg1"/>
+          </a:solidFill>
+          <a:ln w="3175">
+            <a:solidFill>
+              <a:schemeClr val="tx1">
+                <a:lumMod val="65000"/>
+                <a:lumOff val="35000"/>
+              </a:schemeClr>
+            </a:solidFill>
+          </a:ln>
+        </p:spPr>
+        <p:style>
+          <a:lnRef idx="2">
+            <a:schemeClr val="accent1">
+              <a:shade val="50000"/>
+            </a:schemeClr>
+          </a:lnRef>
+          <a:fillRef idx="1">
+            <a:schemeClr val="accent1"/>
+          </a:fillRef>
+          <a:effectRef idx="0">
+            <a:schemeClr val="accent1"/>
+          </a:effectRef>
+          <a:fontRef idx="minor">
+            <a:schemeClr val="lt1"/>
+          </a:fontRef>
+        </p:style>
+        <p:txBody>
+          <a:bodyPr rot="0" spcFirstLastPara="0" vertOverflow="overflow" horzOverflow="overflow" vert="horz" wrap="square" lIns="68580" tIns="34290" rIns="68580" bIns="34290" numCol="1" spcCol="0" rtlCol="0" fromWordArt="0" anchor="ctr" anchorCtr="0" forceAA="0" compatLnSpc="1">
+            <a:prstTxWarp prst="textNoShape">
+              <a:avLst/>
+            </a:prstTxWarp>
+            <a:noAutofit/>
+          </a:bodyPr>
+          <a:lstStyle/>
+          <a:p>
+            <a:pPr algn="ctr"/>
+            <a:r>
+              <a:rPr lang="en-US" sz="900" i="1" dirty="0">
+                <a:solidFill>
+                  <a:schemeClr val="tx1"/>
+                </a:solidFill>
+                <a:latin typeface="Times New Roman" panose="02020603050405020304" pitchFamily="18" charset="0"/>
+                <a:cs typeface="Times New Roman" panose="02020603050405020304" pitchFamily="18" charset="0"/>
+              </a:rPr>
+              <a:t>X</a:t>
+            </a:r>
+            <a:r>
+              <a:rPr lang="en-US" sz="900" i="1" baseline="-25000" dirty="0">
+                <a:solidFill>
+                  <a:schemeClr val="tx1"/>
+                </a:solidFill>
+                <a:latin typeface="Times New Roman" panose="02020603050405020304" pitchFamily="18" charset="0"/>
+                <a:cs typeface="Times New Roman" panose="02020603050405020304" pitchFamily="18" charset="0"/>
+              </a:rPr>
+              <a:t>t + 2</a:t>
+            </a:r>
+            <a:endParaRPr lang="en-US" sz="900" i="1" dirty="0">
+              <a:solidFill>
+                <a:schemeClr val="tx1"/>
+              </a:solidFill>
+              <a:latin typeface="Times New Roman" panose="02020603050405020304" pitchFamily="18" charset="0"/>
+              <a:cs typeface="Times New Roman" panose="02020603050405020304" pitchFamily="18" charset="0"/>
+            </a:endParaRPr>
+          </a:p>
+        </p:txBody>
+      </p:sp>
+      <p:sp>
+        <p:nvSpPr>
+          <p:cNvPr id="17" name="Rectangle 16">
+            <a:extLst>
+              <a:ext uri="{FF2B5EF4-FFF2-40B4-BE49-F238E27FC236}">
+                <a16:creationId xmlns:a16="http://schemas.microsoft.com/office/drawing/2014/main" id="{76D89BCF-D22E-D848-A3EA-EA07EDA6A14B}"/>
+              </a:ext>
+            </a:extLst>
+          </p:cNvPr>
+          <p:cNvSpPr/>
+          <p:nvPr/>
+        </p:nvSpPr>
+        <p:spPr>
+          <a:xfrm>
+            <a:off x="2948696" y="5889129"/>
+            <a:ext cx="393519" cy="393446"/>
+          </a:xfrm>
+          <a:prstGeom prst="rect">
+            <a:avLst/>
+          </a:prstGeom>
+          <a:solidFill>
+            <a:schemeClr val="bg1"/>
+          </a:solidFill>
+          <a:ln w="3175">
+            <a:solidFill>
+              <a:schemeClr val="tx1">
+                <a:lumMod val="65000"/>
+                <a:lumOff val="35000"/>
+              </a:schemeClr>
+            </a:solidFill>
+          </a:ln>
+        </p:spPr>
+        <p:style>
+          <a:lnRef idx="2">
+            <a:schemeClr val="accent1">
+              <a:shade val="50000"/>
+            </a:schemeClr>
+          </a:lnRef>
+          <a:fillRef idx="1">
+            <a:schemeClr val="accent1"/>
+          </a:fillRef>
+          <a:effectRef idx="0">
+            <a:schemeClr val="accent1"/>
+          </a:effectRef>
+          <a:fontRef idx="minor">
+            <a:schemeClr val="lt1"/>
+          </a:fontRef>
+        </p:style>
+        <p:txBody>
+          <a:bodyPr rot="0" spcFirstLastPara="0" vertOverflow="overflow" horzOverflow="overflow" vert="horz" wrap="square" lIns="68580" tIns="34290" rIns="68580" bIns="34290" numCol="1" spcCol="0" rtlCol="0" fromWordArt="0" anchor="ctr" anchorCtr="0" forceAA="0" compatLnSpc="1">
+            <a:prstTxWarp prst="textNoShape">
+              <a:avLst/>
+            </a:prstTxWarp>
+            <a:noAutofit/>
+          </a:bodyPr>
+          <a:lstStyle/>
+          <a:p>
+            <a:pPr algn="ctr"/>
+            <a:r>
+              <a:rPr lang="en-US" sz="900" i="1" dirty="0">
+                <a:solidFill>
+                  <a:schemeClr val="tx1"/>
+                </a:solidFill>
+                <a:latin typeface="Times New Roman" panose="02020603050405020304" pitchFamily="18" charset="0"/>
+                <a:cs typeface="Times New Roman" panose="02020603050405020304" pitchFamily="18" charset="0"/>
+              </a:rPr>
+              <a:t>X</a:t>
+            </a:r>
+            <a:r>
+              <a:rPr lang="en-US" sz="900" i="1" baseline="-25000" dirty="0">
+                <a:solidFill>
+                  <a:schemeClr val="tx1"/>
+                </a:solidFill>
+                <a:latin typeface="Times New Roman" panose="02020603050405020304" pitchFamily="18" charset="0"/>
+                <a:cs typeface="Times New Roman" panose="02020603050405020304" pitchFamily="18" charset="0"/>
+              </a:rPr>
+              <a:t>t + n</a:t>
+            </a:r>
+            <a:endParaRPr lang="en-US" sz="900" i="1" dirty="0">
+              <a:solidFill>
+                <a:schemeClr val="tx1"/>
+              </a:solidFill>
+              <a:latin typeface="Times New Roman" panose="02020603050405020304" pitchFamily="18" charset="0"/>
+              <a:cs typeface="Times New Roman" panose="02020603050405020304" pitchFamily="18" charset="0"/>
+            </a:endParaRPr>
+          </a:p>
+        </p:txBody>
+      </p:sp>
+      <p:sp>
+        <p:nvSpPr>
+          <p:cNvPr id="18" name="TextBox 17">
+            <a:extLst>
+              <a:ext uri="{FF2B5EF4-FFF2-40B4-BE49-F238E27FC236}">
+                <a16:creationId xmlns:a16="http://schemas.microsoft.com/office/drawing/2014/main" id="{E1950904-7E42-924D-89B7-5B001217BE20}"/>
+              </a:ext>
+            </a:extLst>
+          </p:cNvPr>
+          <p:cNvSpPr txBox="1"/>
+          <p:nvPr/>
+        </p:nvSpPr>
+        <p:spPr>
+          <a:xfrm>
+            <a:off x="2507524" y="5988737"/>
+            <a:ext cx="338554" cy="276999"/>
+          </a:xfrm>
+          <a:prstGeom prst="rect">
+            <a:avLst/>
+          </a:prstGeom>
+          <a:noFill/>
+        </p:spPr>
+        <p:txBody>
+          <a:bodyPr wrap="none" rtlCol="0">
+            <a:spAutoFit/>
+          </a:bodyPr>
+          <a:lstStyle/>
+          <a:p>
+            <a:r>
+              <a:rPr lang="en-US" sz="1200" dirty="0">
+                <a:latin typeface="Times New Roman" panose="02020603050405020304" pitchFamily="18" charset="0"/>
+                <a:cs typeface="Times New Roman" panose="02020603050405020304" pitchFamily="18" charset="0"/>
+              </a:rPr>
+              <a:t>…</a:t>
+            </a:r>
+          </a:p>
+        </p:txBody>
+      </p:sp>
+      <p:cxnSp>
+        <p:nvCxnSpPr>
+          <p:cNvPr id="19" name="Straight Arrow Connector 18">
+            <a:extLst>
+              <a:ext uri="{FF2B5EF4-FFF2-40B4-BE49-F238E27FC236}">
+                <a16:creationId xmlns:a16="http://schemas.microsoft.com/office/drawing/2014/main" id="{D60CDFDE-CB4F-5146-B5FB-2F5A32AA3E25}"/>
+              </a:ext>
+            </a:extLst>
+          </p:cNvPr>
+          <p:cNvCxnSpPr>
+            <a:cxnSpLocks/>
+          </p:cNvCxnSpPr>
+          <p:nvPr/>
+        </p:nvCxnSpPr>
+        <p:spPr>
+          <a:xfrm>
+            <a:off x="834063" y="5247437"/>
+            <a:ext cx="298195" cy="641692"/>
+          </a:xfrm>
+          <a:prstGeom prst="straightConnector1">
+            <a:avLst/>
+          </a:prstGeom>
+          <a:ln>
+            <a:solidFill>
+              <a:schemeClr val="tx1"/>
+            </a:solidFill>
+            <a:tailEnd type="triangle"/>
+          </a:ln>
+        </p:spPr>
+        <p:style>
+          <a:lnRef idx="1">
+            <a:schemeClr val="accent1"/>
+          </a:lnRef>
+          <a:fillRef idx="0">
+            <a:schemeClr val="accent1"/>
+          </a:fillRef>
+          <a:effectRef idx="0">
+            <a:schemeClr val="accent1"/>
+          </a:effectRef>
+          <a:fontRef idx="minor">
+            <a:schemeClr val="tx1"/>
+          </a:fontRef>
+        </p:style>
+      </p:cxnSp>
+      <p:cxnSp>
+        <p:nvCxnSpPr>
+          <p:cNvPr id="20" name="Straight Arrow Connector 19">
+            <a:extLst>
+              <a:ext uri="{FF2B5EF4-FFF2-40B4-BE49-F238E27FC236}">
+                <a16:creationId xmlns:a16="http://schemas.microsoft.com/office/drawing/2014/main" id="{5075AA5C-059A-EB41-B59F-E70FCF378F73}"/>
+              </a:ext>
+            </a:extLst>
+          </p:cNvPr>
+          <p:cNvCxnSpPr>
+            <a:cxnSpLocks/>
+          </p:cNvCxnSpPr>
+          <p:nvPr/>
+        </p:nvCxnSpPr>
+        <p:spPr>
+          <a:xfrm>
+            <a:off x="1523737" y="5247435"/>
+            <a:ext cx="298195" cy="641692"/>
+          </a:xfrm>
+          <a:prstGeom prst="straightConnector1">
+            <a:avLst/>
+          </a:prstGeom>
+          <a:ln>
+            <a:solidFill>
+              <a:schemeClr val="tx1"/>
+            </a:solidFill>
+            <a:tailEnd type="triangle"/>
+          </a:ln>
+        </p:spPr>
+        <p:style>
+          <a:lnRef idx="1">
+            <a:schemeClr val="accent1"/>
+          </a:lnRef>
+          <a:fillRef idx="0">
+            <a:schemeClr val="accent1"/>
+          </a:fillRef>
+          <a:effectRef idx="0">
+            <a:schemeClr val="accent1"/>
+          </a:effectRef>
+          <a:fontRef idx="minor">
+            <a:schemeClr val="tx1"/>
+          </a:fontRef>
+        </p:style>
+      </p:cxnSp>
+      <p:cxnSp>
+        <p:nvCxnSpPr>
+          <p:cNvPr id="21" name="Straight Arrow Connector 20">
+            <a:extLst>
+              <a:ext uri="{FF2B5EF4-FFF2-40B4-BE49-F238E27FC236}">
+                <a16:creationId xmlns:a16="http://schemas.microsoft.com/office/drawing/2014/main" id="{587F06AE-CDB9-DB43-AB49-899866FB3D3C}"/>
+              </a:ext>
+            </a:extLst>
+          </p:cNvPr>
+          <p:cNvCxnSpPr>
+            <a:cxnSpLocks/>
+          </p:cNvCxnSpPr>
+          <p:nvPr/>
+        </p:nvCxnSpPr>
+        <p:spPr>
+          <a:xfrm>
+            <a:off x="2211370" y="5238933"/>
+            <a:ext cx="298195" cy="641692"/>
+          </a:xfrm>
+          <a:prstGeom prst="straightConnector1">
+            <a:avLst/>
+          </a:prstGeom>
+          <a:ln>
+            <a:solidFill>
+              <a:schemeClr val="tx1"/>
+            </a:solidFill>
+            <a:tailEnd type="triangle"/>
+          </a:ln>
+        </p:spPr>
+        <p:style>
+          <a:lnRef idx="1">
+            <a:schemeClr val="accent1"/>
+          </a:lnRef>
+          <a:fillRef idx="0">
+            <a:schemeClr val="accent1"/>
+          </a:fillRef>
+          <a:effectRef idx="0">
+            <a:schemeClr val="accent1"/>
+          </a:effectRef>
+          <a:fontRef idx="minor">
+            <a:schemeClr val="tx1"/>
+          </a:fontRef>
+        </p:style>
+      </p:cxnSp>
+      <p:cxnSp>
+        <p:nvCxnSpPr>
+          <p:cNvPr id="22" name="Straight Arrow Connector 21">
+            <a:extLst>
+              <a:ext uri="{FF2B5EF4-FFF2-40B4-BE49-F238E27FC236}">
+                <a16:creationId xmlns:a16="http://schemas.microsoft.com/office/drawing/2014/main" id="{981C9AC3-D197-244E-AE92-1E71FC578C64}"/>
+              </a:ext>
+            </a:extLst>
+          </p:cNvPr>
+          <p:cNvCxnSpPr/>
+          <p:nvPr/>
+        </p:nvCxnSpPr>
+        <p:spPr>
+          <a:xfrm flipV="1">
+            <a:off x="838144" y="6085850"/>
+            <a:ext cx="294114" cy="1"/>
+          </a:xfrm>
+          <a:prstGeom prst="straightConnector1">
+            <a:avLst/>
+          </a:prstGeom>
+          <a:ln>
+            <a:solidFill>
+              <a:schemeClr val="tx1"/>
+            </a:solidFill>
+            <a:tailEnd type="triangle"/>
+          </a:ln>
+        </p:spPr>
+        <p:style>
+          <a:lnRef idx="1">
+            <a:schemeClr val="accent1"/>
+          </a:lnRef>
+          <a:fillRef idx="0">
+            <a:schemeClr val="accent1"/>
+          </a:fillRef>
+          <a:effectRef idx="0">
+            <a:schemeClr val="accent1"/>
+          </a:effectRef>
+          <a:fontRef idx="minor">
+            <a:schemeClr val="tx1"/>
+          </a:fontRef>
+        </p:style>
+      </p:cxnSp>
+      <p:cxnSp>
+        <p:nvCxnSpPr>
+          <p:cNvPr id="23" name="Straight Arrow Connector 22">
+            <a:extLst>
+              <a:ext uri="{FF2B5EF4-FFF2-40B4-BE49-F238E27FC236}">
+                <a16:creationId xmlns:a16="http://schemas.microsoft.com/office/drawing/2014/main" id="{717EA31F-F041-4B4B-B3FE-087F41B48E91}"/>
+              </a:ext>
+            </a:extLst>
+          </p:cNvPr>
+          <p:cNvCxnSpPr/>
+          <p:nvPr/>
+        </p:nvCxnSpPr>
+        <p:spPr>
+          <a:xfrm flipV="1">
+            <a:off x="1525777" y="6085848"/>
+            <a:ext cx="294114" cy="1"/>
+          </a:xfrm>
+          <a:prstGeom prst="straightConnector1">
+            <a:avLst/>
+          </a:prstGeom>
+          <a:ln>
+            <a:solidFill>
+              <a:schemeClr val="tx1"/>
+            </a:solidFill>
+            <a:tailEnd type="triangle"/>
+          </a:ln>
+        </p:spPr>
+        <p:style>
+          <a:lnRef idx="1">
+            <a:schemeClr val="accent1"/>
+          </a:lnRef>
+          <a:fillRef idx="0">
+            <a:schemeClr val="accent1"/>
+          </a:fillRef>
+          <a:effectRef idx="0">
+            <a:schemeClr val="accent1"/>
+          </a:effectRef>
+          <a:fontRef idx="minor">
+            <a:schemeClr val="tx1"/>
+          </a:fontRef>
+        </p:style>
+      </p:cxnSp>
+      <p:cxnSp>
+        <p:nvCxnSpPr>
+          <p:cNvPr id="24" name="Straight Arrow Connector 23">
+            <a:extLst>
+              <a:ext uri="{FF2B5EF4-FFF2-40B4-BE49-F238E27FC236}">
+                <a16:creationId xmlns:a16="http://schemas.microsoft.com/office/drawing/2014/main" id="{B2A386CD-040B-734C-9D05-5D4361496CD1}"/>
+              </a:ext>
+            </a:extLst>
+          </p:cNvPr>
+          <p:cNvCxnSpPr/>
+          <p:nvPr/>
+        </p:nvCxnSpPr>
+        <p:spPr>
+          <a:xfrm flipV="1">
+            <a:off x="2213410" y="6086162"/>
+            <a:ext cx="294114" cy="1"/>
+          </a:xfrm>
+          <a:prstGeom prst="straightConnector1">
+            <a:avLst/>
+          </a:prstGeom>
+          <a:ln>
+            <a:solidFill>
+              <a:schemeClr val="tx1"/>
+            </a:solidFill>
+            <a:tailEnd type="triangle"/>
+          </a:ln>
+        </p:spPr>
+        <p:style>
+          <a:lnRef idx="1">
+            <a:schemeClr val="accent1"/>
+          </a:lnRef>
+          <a:fillRef idx="0">
+            <a:schemeClr val="accent1"/>
+          </a:fillRef>
+          <a:effectRef idx="0">
+            <a:schemeClr val="accent1"/>
+          </a:effectRef>
+          <a:fontRef idx="minor">
+            <a:schemeClr val="tx1"/>
+          </a:fontRef>
+        </p:style>
+      </p:cxnSp>
+      <p:cxnSp>
+        <p:nvCxnSpPr>
+          <p:cNvPr id="25" name="Straight Arrow Connector 24">
+            <a:extLst>
+              <a:ext uri="{FF2B5EF4-FFF2-40B4-BE49-F238E27FC236}">
+                <a16:creationId xmlns:a16="http://schemas.microsoft.com/office/drawing/2014/main" id="{CC5B45B3-7764-3443-AC4F-EF5483474BF2}"/>
+              </a:ext>
+            </a:extLst>
+          </p:cNvPr>
+          <p:cNvCxnSpPr>
+            <a:cxnSpLocks/>
+          </p:cNvCxnSpPr>
+          <p:nvPr/>
+        </p:nvCxnSpPr>
+        <p:spPr>
+          <a:xfrm flipV="1">
+            <a:off x="836104" y="5247435"/>
+            <a:ext cx="298195" cy="641692"/>
+          </a:xfrm>
+          <a:prstGeom prst="straightConnector1">
+            <a:avLst/>
+          </a:prstGeom>
+          <a:ln>
+            <a:solidFill>
+              <a:schemeClr val="tx1"/>
+            </a:solidFill>
+            <a:tailEnd type="triangle"/>
+          </a:ln>
+        </p:spPr>
+        <p:style>
+          <a:lnRef idx="1">
+            <a:schemeClr val="accent1"/>
+          </a:lnRef>
+          <a:fillRef idx="0">
+            <a:schemeClr val="accent1"/>
+          </a:fillRef>
+          <a:effectRef idx="0">
+            <a:schemeClr val="accent1"/>
+          </a:effectRef>
+          <a:fontRef idx="minor">
+            <a:schemeClr val="tx1"/>
+          </a:fontRef>
+        </p:style>
+      </p:cxnSp>
+      <p:cxnSp>
+        <p:nvCxnSpPr>
+          <p:cNvPr id="26" name="Straight Arrow Connector 25">
+            <a:extLst>
+              <a:ext uri="{FF2B5EF4-FFF2-40B4-BE49-F238E27FC236}">
+                <a16:creationId xmlns:a16="http://schemas.microsoft.com/office/drawing/2014/main" id="{9F1814E2-7A54-104D-8EEE-B2094E25DBC5}"/>
+              </a:ext>
+            </a:extLst>
+          </p:cNvPr>
+          <p:cNvCxnSpPr>
+            <a:cxnSpLocks/>
+          </p:cNvCxnSpPr>
+          <p:nvPr/>
+        </p:nvCxnSpPr>
+        <p:spPr>
+          <a:xfrm flipV="1">
+            <a:off x="1523737" y="5243185"/>
+            <a:ext cx="298195" cy="641692"/>
+          </a:xfrm>
+          <a:prstGeom prst="straightConnector1">
+            <a:avLst/>
+          </a:prstGeom>
+          <a:ln>
+            <a:solidFill>
+              <a:schemeClr val="tx1"/>
+            </a:solidFill>
+            <a:tailEnd type="triangle"/>
+          </a:ln>
+        </p:spPr>
+        <p:style>
+          <a:lnRef idx="1">
+            <a:schemeClr val="accent1"/>
+          </a:lnRef>
+          <a:fillRef idx="0">
+            <a:schemeClr val="accent1"/>
+          </a:fillRef>
+          <a:effectRef idx="0">
+            <a:schemeClr val="accent1"/>
+          </a:effectRef>
+          <a:fontRef idx="minor">
+            <a:schemeClr val="tx1"/>
+          </a:fontRef>
+        </p:style>
+      </p:cxnSp>
+      <p:cxnSp>
+        <p:nvCxnSpPr>
+          <p:cNvPr id="27" name="Straight Arrow Connector 26">
+            <a:extLst>
+              <a:ext uri="{FF2B5EF4-FFF2-40B4-BE49-F238E27FC236}">
+                <a16:creationId xmlns:a16="http://schemas.microsoft.com/office/drawing/2014/main" id="{46C93972-73D7-294F-9179-EB4EE984C310}"/>
+              </a:ext>
+            </a:extLst>
+          </p:cNvPr>
+          <p:cNvCxnSpPr>
+            <a:cxnSpLocks/>
+          </p:cNvCxnSpPr>
+          <p:nvPr/>
+        </p:nvCxnSpPr>
+        <p:spPr>
+          <a:xfrm flipV="1">
+            <a:off x="2209329" y="5251224"/>
+            <a:ext cx="298195" cy="641692"/>
+          </a:xfrm>
+          <a:prstGeom prst="straightConnector1">
+            <a:avLst/>
+          </a:prstGeom>
+          <a:ln>
+            <a:solidFill>
+              <a:schemeClr val="tx1"/>
+            </a:solidFill>
+            <a:tailEnd type="triangle"/>
+          </a:ln>
+        </p:spPr>
+        <p:style>
+          <a:lnRef idx="1">
+            <a:schemeClr val="accent1"/>
+          </a:lnRef>
+          <a:fillRef idx="0">
+            <a:schemeClr val="accent1"/>
+          </a:fillRef>
+          <a:effectRef idx="0">
+            <a:schemeClr val="accent1"/>
+          </a:effectRef>
+          <a:fontRef idx="minor">
+            <a:schemeClr val="tx1"/>
+          </a:fontRef>
+        </p:style>
+      </p:cxnSp>
+      <p:sp>
+        <p:nvSpPr>
+          <p:cNvPr id="29" name="TextBox 28">
+            <a:extLst>
+              <a:ext uri="{FF2B5EF4-FFF2-40B4-BE49-F238E27FC236}">
+                <a16:creationId xmlns:a16="http://schemas.microsoft.com/office/drawing/2014/main" id="{7DFAE371-B804-FF43-81FD-CD3C6CBE6FC3}"/>
+              </a:ext>
+            </a:extLst>
+          </p:cNvPr>
+          <p:cNvSpPr txBox="1"/>
+          <p:nvPr/>
+        </p:nvSpPr>
+        <p:spPr>
+          <a:xfrm>
+            <a:off x="218222" y="4574818"/>
+            <a:ext cx="636713" cy="230832"/>
+          </a:xfrm>
+          <a:prstGeom prst="rect">
+            <a:avLst/>
+          </a:prstGeom>
+          <a:noFill/>
+        </p:spPr>
+        <p:txBody>
+          <a:bodyPr wrap="none" rtlCol="0">
+            <a:spAutoFit/>
+          </a:bodyPr>
+          <a:lstStyle/>
+          <a:p>
+            <a:r>
+              <a:rPr lang="en-US" sz="900" dirty="0"/>
+              <a:t>Dynamics</a:t>
+            </a:r>
+          </a:p>
+        </p:txBody>
+      </p:sp>
+      <p:sp>
+        <p:nvSpPr>
+          <p:cNvPr id="39" name="Rectangle 38">
+            <a:extLst>
+              <a:ext uri="{FF2B5EF4-FFF2-40B4-BE49-F238E27FC236}">
+                <a16:creationId xmlns:a16="http://schemas.microsoft.com/office/drawing/2014/main" id="{3D3ED4A9-32FE-CE4A-8505-0BE9E7515F80}"/>
+              </a:ext>
+            </a:extLst>
+          </p:cNvPr>
+          <p:cNvSpPr/>
+          <p:nvPr/>
+        </p:nvSpPr>
+        <p:spPr>
+          <a:xfrm>
+            <a:off x="490093" y="1056388"/>
+            <a:ext cx="386682" cy="380640"/>
+          </a:xfrm>
+          <a:prstGeom prst="rect">
+            <a:avLst/>
+          </a:prstGeom>
+          <a:solidFill>
+            <a:schemeClr val="bg1"/>
+          </a:solidFill>
+          <a:ln w="3175">
+            <a:solidFill>
+              <a:schemeClr val="tx1">
+                <a:lumMod val="65000"/>
+                <a:lumOff val="35000"/>
+              </a:schemeClr>
+            </a:solidFill>
+          </a:ln>
+        </p:spPr>
+        <p:style>
+          <a:lnRef idx="2">
+            <a:schemeClr val="accent1">
+              <a:shade val="50000"/>
+            </a:schemeClr>
+          </a:lnRef>
+          <a:fillRef idx="1">
+            <a:schemeClr val="accent1"/>
+          </a:fillRef>
+          <a:effectRef idx="0">
+            <a:schemeClr val="accent1"/>
+          </a:effectRef>
+          <a:fontRef idx="minor">
+            <a:schemeClr val="lt1"/>
+          </a:fontRef>
+        </p:style>
+        <p:txBody>
+          <a:bodyPr rot="0" spcFirstLastPara="0" vertOverflow="overflow" horzOverflow="overflow" vert="horz" wrap="square" lIns="68580" tIns="34290" rIns="68580" bIns="34290" numCol="1" spcCol="0" rtlCol="0" fromWordArt="0" anchor="ctr" anchorCtr="0" forceAA="0" compatLnSpc="1">
+            <a:prstTxWarp prst="textNoShape">
+              <a:avLst/>
+            </a:prstTxWarp>
+            <a:noAutofit/>
+          </a:bodyPr>
+          <a:lstStyle/>
+          <a:p>
+            <a:pPr algn="ctr"/>
+            <a:r>
+              <a:rPr lang="en-US" sz="900" i="1" dirty="0">
+                <a:solidFill>
+                  <a:schemeClr val="tx1"/>
+                </a:solidFill>
+                <a:latin typeface="Times New Roman" panose="02020603050405020304" pitchFamily="18" charset="0"/>
+                <a:cs typeface="Times New Roman" panose="02020603050405020304" pitchFamily="18" charset="0"/>
+              </a:rPr>
+              <a:t>Y</a:t>
+            </a:r>
+            <a:r>
+              <a:rPr lang="en-US" sz="900" i="1" baseline="-25000" dirty="0">
+                <a:solidFill>
+                  <a:schemeClr val="tx1"/>
+                </a:solidFill>
+                <a:latin typeface="Times New Roman" panose="02020603050405020304" pitchFamily="18" charset="0"/>
+                <a:cs typeface="Times New Roman" panose="02020603050405020304" pitchFamily="18" charset="0"/>
+              </a:rPr>
+              <a:t>t</a:t>
+            </a:r>
+            <a:endParaRPr lang="en-US" sz="900" i="1" dirty="0">
+              <a:solidFill>
+                <a:schemeClr val="tx1"/>
+              </a:solidFill>
+              <a:latin typeface="Times New Roman" panose="02020603050405020304" pitchFamily="18" charset="0"/>
+              <a:cs typeface="Times New Roman" panose="02020603050405020304" pitchFamily="18" charset="0"/>
+            </a:endParaRPr>
+          </a:p>
+        </p:txBody>
+      </p:sp>
+      <p:sp>
+        <p:nvSpPr>
+          <p:cNvPr id="40" name="Rectangle 39">
+            <a:extLst>
+              <a:ext uri="{FF2B5EF4-FFF2-40B4-BE49-F238E27FC236}">
+                <a16:creationId xmlns:a16="http://schemas.microsoft.com/office/drawing/2014/main" id="{BCBCC6FB-78C2-F444-9A87-F0857A166CE5}"/>
+              </a:ext>
+            </a:extLst>
+          </p:cNvPr>
+          <p:cNvSpPr/>
+          <p:nvPr/>
+        </p:nvSpPr>
+        <p:spPr>
+          <a:xfrm>
+            <a:off x="1165779" y="1056387"/>
+            <a:ext cx="386682" cy="380640"/>
+          </a:xfrm>
+          <a:prstGeom prst="rect">
+            <a:avLst/>
+          </a:prstGeom>
+          <a:solidFill>
+            <a:schemeClr val="bg1"/>
+          </a:solidFill>
+          <a:ln w="3175">
+            <a:solidFill>
+              <a:schemeClr val="tx1">
+                <a:lumMod val="65000"/>
+                <a:lumOff val="35000"/>
+              </a:schemeClr>
+            </a:solidFill>
+          </a:ln>
+        </p:spPr>
+        <p:style>
+          <a:lnRef idx="2">
+            <a:schemeClr val="accent1">
+              <a:shade val="50000"/>
+            </a:schemeClr>
+          </a:lnRef>
+          <a:fillRef idx="1">
+            <a:schemeClr val="accent1"/>
+          </a:fillRef>
+          <a:effectRef idx="0">
+            <a:schemeClr val="accent1"/>
+          </a:effectRef>
+          <a:fontRef idx="minor">
+            <a:schemeClr val="lt1"/>
+          </a:fontRef>
+        </p:style>
+        <p:txBody>
+          <a:bodyPr rot="0" spcFirstLastPara="0" vertOverflow="overflow" horzOverflow="overflow" vert="horz" wrap="square" lIns="68580" tIns="34290" rIns="68580" bIns="34290" numCol="1" spcCol="0" rtlCol="0" fromWordArt="0" anchor="ctr" anchorCtr="0" forceAA="0" compatLnSpc="1">
+            <a:prstTxWarp prst="textNoShape">
+              <a:avLst/>
+            </a:prstTxWarp>
+            <a:noAutofit/>
+          </a:bodyPr>
+          <a:lstStyle/>
+          <a:p>
+            <a:pPr algn="ctr"/>
+            <a:r>
+              <a:rPr lang="en-US" sz="900" i="1" dirty="0">
+                <a:solidFill>
+                  <a:schemeClr val="tx1"/>
+                </a:solidFill>
+                <a:latin typeface="Times New Roman" panose="02020603050405020304" pitchFamily="18" charset="0"/>
+                <a:cs typeface="Times New Roman" panose="02020603050405020304" pitchFamily="18" charset="0"/>
+              </a:rPr>
+              <a:t>Y</a:t>
+            </a:r>
+            <a:r>
+              <a:rPr lang="en-US" sz="900" i="1" baseline="-25000" dirty="0">
+                <a:solidFill>
+                  <a:schemeClr val="tx1"/>
+                </a:solidFill>
+                <a:latin typeface="Times New Roman" panose="02020603050405020304" pitchFamily="18" charset="0"/>
+                <a:cs typeface="Times New Roman" panose="02020603050405020304" pitchFamily="18" charset="0"/>
+              </a:rPr>
+              <a:t>t + 1</a:t>
+            </a:r>
+            <a:endParaRPr lang="en-US" sz="900" i="1" dirty="0">
+              <a:solidFill>
+                <a:schemeClr val="tx1"/>
+              </a:solidFill>
+              <a:latin typeface="Times New Roman" panose="02020603050405020304" pitchFamily="18" charset="0"/>
+              <a:cs typeface="Times New Roman" panose="02020603050405020304" pitchFamily="18" charset="0"/>
+            </a:endParaRPr>
+          </a:p>
+        </p:txBody>
+      </p:sp>
+      <p:sp>
+        <p:nvSpPr>
+          <p:cNvPr id="41" name="Rectangle 40">
+            <a:extLst>
+              <a:ext uri="{FF2B5EF4-FFF2-40B4-BE49-F238E27FC236}">
+                <a16:creationId xmlns:a16="http://schemas.microsoft.com/office/drawing/2014/main" id="{F63308DC-30FC-2649-A8C7-C7920FDC5F7A}"/>
+              </a:ext>
+            </a:extLst>
+          </p:cNvPr>
+          <p:cNvSpPr/>
+          <p:nvPr/>
+        </p:nvSpPr>
+        <p:spPr>
+          <a:xfrm>
+            <a:off x="1841466" y="1056387"/>
+            <a:ext cx="386682" cy="380640"/>
+          </a:xfrm>
+          <a:prstGeom prst="rect">
+            <a:avLst/>
+          </a:prstGeom>
+          <a:solidFill>
+            <a:schemeClr val="bg1"/>
+          </a:solidFill>
+          <a:ln w="3175">
+            <a:solidFill>
+              <a:schemeClr val="tx1">
+                <a:lumMod val="65000"/>
+                <a:lumOff val="35000"/>
+              </a:schemeClr>
+            </a:solidFill>
+          </a:ln>
+        </p:spPr>
+        <p:style>
+          <a:lnRef idx="2">
+            <a:schemeClr val="accent1">
+              <a:shade val="50000"/>
+            </a:schemeClr>
+          </a:lnRef>
+          <a:fillRef idx="1">
+            <a:schemeClr val="accent1"/>
+          </a:fillRef>
+          <a:effectRef idx="0">
+            <a:schemeClr val="accent1"/>
+          </a:effectRef>
+          <a:fontRef idx="minor">
+            <a:schemeClr val="lt1"/>
+          </a:fontRef>
+        </p:style>
+        <p:txBody>
+          <a:bodyPr rot="0" spcFirstLastPara="0" vertOverflow="overflow" horzOverflow="overflow" vert="horz" wrap="square" lIns="68580" tIns="34290" rIns="68580" bIns="34290" numCol="1" spcCol="0" rtlCol="0" fromWordArt="0" anchor="ctr" anchorCtr="0" forceAA="0" compatLnSpc="1">
+            <a:prstTxWarp prst="textNoShape">
+              <a:avLst/>
+            </a:prstTxWarp>
+            <a:noAutofit/>
+          </a:bodyPr>
+          <a:lstStyle/>
+          <a:p>
+            <a:pPr algn="ctr"/>
+            <a:r>
+              <a:rPr lang="en-US" sz="900" i="1" dirty="0">
+                <a:solidFill>
+                  <a:schemeClr val="tx1"/>
+                </a:solidFill>
+                <a:latin typeface="Times New Roman" panose="02020603050405020304" pitchFamily="18" charset="0"/>
+                <a:cs typeface="Times New Roman" panose="02020603050405020304" pitchFamily="18" charset="0"/>
+              </a:rPr>
+              <a:t>Y</a:t>
+            </a:r>
+            <a:r>
+              <a:rPr lang="en-US" sz="900" i="1" baseline="-25000" dirty="0">
+                <a:solidFill>
+                  <a:schemeClr val="tx1"/>
+                </a:solidFill>
+                <a:latin typeface="Times New Roman" panose="02020603050405020304" pitchFamily="18" charset="0"/>
+                <a:cs typeface="Times New Roman" panose="02020603050405020304" pitchFamily="18" charset="0"/>
+              </a:rPr>
+              <a:t>t + 2</a:t>
+            </a:r>
+            <a:endParaRPr lang="en-US" sz="900" i="1" dirty="0">
+              <a:solidFill>
+                <a:schemeClr val="tx1"/>
+              </a:solidFill>
+              <a:latin typeface="Times New Roman" panose="02020603050405020304" pitchFamily="18" charset="0"/>
+              <a:cs typeface="Times New Roman" panose="02020603050405020304" pitchFamily="18" charset="0"/>
+            </a:endParaRPr>
+          </a:p>
+        </p:txBody>
+      </p:sp>
+      <p:sp>
+        <p:nvSpPr>
+          <p:cNvPr id="42" name="Rectangle 41">
+            <a:extLst>
+              <a:ext uri="{FF2B5EF4-FFF2-40B4-BE49-F238E27FC236}">
+                <a16:creationId xmlns:a16="http://schemas.microsoft.com/office/drawing/2014/main" id="{D451F4A2-FA3A-7D4C-A787-270CFEECEE3F}"/>
+              </a:ext>
+            </a:extLst>
+          </p:cNvPr>
+          <p:cNvSpPr/>
+          <p:nvPr/>
+        </p:nvSpPr>
+        <p:spPr>
+          <a:xfrm>
+            <a:off x="2950659" y="1056387"/>
+            <a:ext cx="386682" cy="380640"/>
+          </a:xfrm>
+          <a:prstGeom prst="rect">
+            <a:avLst/>
+          </a:prstGeom>
+          <a:solidFill>
+            <a:schemeClr val="bg1"/>
+          </a:solidFill>
+          <a:ln w="3175">
+            <a:solidFill>
+              <a:schemeClr val="tx1">
+                <a:lumMod val="65000"/>
+                <a:lumOff val="35000"/>
+              </a:schemeClr>
+            </a:solidFill>
+          </a:ln>
+        </p:spPr>
+        <p:style>
+          <a:lnRef idx="2">
+            <a:schemeClr val="accent1">
+              <a:shade val="50000"/>
+            </a:schemeClr>
+          </a:lnRef>
+          <a:fillRef idx="1">
+            <a:schemeClr val="accent1"/>
+          </a:fillRef>
+          <a:effectRef idx="0">
+            <a:schemeClr val="accent1"/>
+          </a:effectRef>
+          <a:fontRef idx="minor">
+            <a:schemeClr val="lt1"/>
+          </a:fontRef>
+        </p:style>
+        <p:txBody>
+          <a:bodyPr rot="0" spcFirstLastPara="0" vertOverflow="overflow" horzOverflow="overflow" vert="horz" wrap="square" lIns="68580" tIns="34290" rIns="68580" bIns="34290" numCol="1" spcCol="0" rtlCol="0" fromWordArt="0" anchor="ctr" anchorCtr="0" forceAA="0" compatLnSpc="1">
+            <a:prstTxWarp prst="textNoShape">
+              <a:avLst/>
+            </a:prstTxWarp>
+            <a:noAutofit/>
+          </a:bodyPr>
+          <a:lstStyle/>
+          <a:p>
+            <a:pPr algn="ctr"/>
+            <a:r>
+              <a:rPr lang="en-US" sz="900" i="1" dirty="0">
+                <a:solidFill>
+                  <a:schemeClr val="tx1"/>
+                </a:solidFill>
+                <a:latin typeface="Times New Roman" panose="02020603050405020304" pitchFamily="18" charset="0"/>
+                <a:cs typeface="Times New Roman" panose="02020603050405020304" pitchFamily="18" charset="0"/>
+              </a:rPr>
+              <a:t>Y</a:t>
+            </a:r>
+            <a:r>
+              <a:rPr lang="en-US" sz="900" i="1" baseline="-25000" dirty="0">
+                <a:solidFill>
+                  <a:schemeClr val="tx1"/>
+                </a:solidFill>
+                <a:latin typeface="Times New Roman" panose="02020603050405020304" pitchFamily="18" charset="0"/>
+                <a:cs typeface="Times New Roman" panose="02020603050405020304" pitchFamily="18" charset="0"/>
+              </a:rPr>
+              <a:t>t + n</a:t>
+            </a:r>
+            <a:endParaRPr lang="en-US" sz="900" i="1" dirty="0">
+              <a:solidFill>
+                <a:schemeClr val="tx1"/>
+              </a:solidFill>
+              <a:latin typeface="Times New Roman" panose="02020603050405020304" pitchFamily="18" charset="0"/>
+              <a:cs typeface="Times New Roman" panose="02020603050405020304" pitchFamily="18" charset="0"/>
+            </a:endParaRPr>
+          </a:p>
+        </p:txBody>
+      </p:sp>
+      <p:sp>
+        <p:nvSpPr>
+          <p:cNvPr id="43" name="TextBox 42">
+            <a:extLst>
+              <a:ext uri="{FF2B5EF4-FFF2-40B4-BE49-F238E27FC236}">
+                <a16:creationId xmlns:a16="http://schemas.microsoft.com/office/drawing/2014/main" id="{CB94FA2C-A673-5B4D-871E-C082994EA372}"/>
+              </a:ext>
+            </a:extLst>
+          </p:cNvPr>
+          <p:cNvSpPr txBox="1"/>
+          <p:nvPr/>
+        </p:nvSpPr>
+        <p:spPr>
+          <a:xfrm>
+            <a:off x="2509133" y="1152752"/>
+            <a:ext cx="338554" cy="276999"/>
+          </a:xfrm>
+          <a:prstGeom prst="rect">
+            <a:avLst/>
+          </a:prstGeom>
+          <a:noFill/>
+        </p:spPr>
+        <p:txBody>
+          <a:bodyPr wrap="none" rtlCol="0">
+            <a:spAutoFit/>
+          </a:bodyPr>
+          <a:lstStyle/>
+          <a:p>
+            <a:r>
+              <a:rPr lang="en-US" sz="1200" dirty="0">
+                <a:latin typeface="Times New Roman" panose="02020603050405020304" pitchFamily="18" charset="0"/>
+                <a:cs typeface="Times New Roman" panose="02020603050405020304" pitchFamily="18" charset="0"/>
+              </a:rPr>
+              <a:t>…</a:t>
+            </a:r>
+          </a:p>
+        </p:txBody>
+      </p:sp>
+      <p:sp>
+        <p:nvSpPr>
+          <p:cNvPr id="47" name="Rectangle 46">
+            <a:extLst>
+              <a:ext uri="{FF2B5EF4-FFF2-40B4-BE49-F238E27FC236}">
+                <a16:creationId xmlns:a16="http://schemas.microsoft.com/office/drawing/2014/main" id="{1560FB09-BB59-1747-BCE7-38C6006A61BA}"/>
+              </a:ext>
+            </a:extLst>
+          </p:cNvPr>
+          <p:cNvSpPr/>
+          <p:nvPr/>
+        </p:nvSpPr>
+        <p:spPr>
+          <a:xfrm>
+            <a:off x="490092" y="2057834"/>
+            <a:ext cx="386682" cy="380640"/>
+          </a:xfrm>
+          <a:prstGeom prst="rect">
+            <a:avLst/>
+          </a:prstGeom>
+          <a:solidFill>
+            <a:schemeClr val="bg1"/>
+          </a:solidFill>
+          <a:ln w="3175">
+            <a:solidFill>
+              <a:schemeClr val="bg1"/>
+            </a:solidFill>
+          </a:ln>
+        </p:spPr>
+        <p:style>
+          <a:lnRef idx="2">
+            <a:schemeClr val="accent1">
+              <a:shade val="50000"/>
+            </a:schemeClr>
+          </a:lnRef>
+          <a:fillRef idx="1">
+            <a:schemeClr val="accent1"/>
+          </a:fillRef>
+          <a:effectRef idx="0">
+            <a:schemeClr val="accent1"/>
+          </a:effectRef>
+          <a:fontRef idx="minor">
+            <a:schemeClr val="lt1"/>
+          </a:fontRef>
+        </p:style>
+        <p:txBody>
+          <a:bodyPr rot="0" spcFirstLastPara="0" vertOverflow="overflow" horzOverflow="overflow" vert="horz" wrap="square" lIns="68580" tIns="34290" rIns="68580" bIns="34290" numCol="1" spcCol="0" rtlCol="0" fromWordArt="0" anchor="ctr" anchorCtr="0" forceAA="0" compatLnSpc="1">
+            <a:prstTxWarp prst="textNoShape">
+              <a:avLst/>
+            </a:prstTxWarp>
+            <a:noAutofit/>
+          </a:bodyPr>
+          <a:lstStyle/>
+          <a:p>
+            <a:pPr algn="ctr"/>
+            <a:r>
+              <a:rPr lang="en-US" sz="900" i="1" dirty="0">
+                <a:solidFill>
+                  <a:schemeClr val="tx1"/>
+                </a:solidFill>
+                <a:latin typeface="Times New Roman" panose="02020603050405020304" pitchFamily="18" charset="0"/>
+                <a:cs typeface="Times New Roman" panose="02020603050405020304" pitchFamily="18" charset="0"/>
+              </a:rPr>
+              <a:t>time</a:t>
+            </a:r>
+            <a:r>
+              <a:rPr lang="en-US" sz="900" i="1" baseline="-25000" dirty="0">
+                <a:solidFill>
+                  <a:schemeClr val="tx1"/>
+                </a:solidFill>
+                <a:latin typeface="Times New Roman" panose="02020603050405020304" pitchFamily="18" charset="0"/>
+                <a:cs typeface="Times New Roman" panose="02020603050405020304" pitchFamily="18" charset="0"/>
+              </a:rPr>
+              <a:t>t</a:t>
+            </a:r>
+            <a:r>
+              <a:rPr lang="en-US" sz="900" i="1" dirty="0">
+                <a:solidFill>
+                  <a:schemeClr val="tx1"/>
+                </a:solidFill>
+                <a:latin typeface="Times New Roman" panose="02020603050405020304" pitchFamily="18" charset="0"/>
+                <a:cs typeface="Times New Roman" panose="02020603050405020304" pitchFamily="18" charset="0"/>
+              </a:rPr>
+              <a:t> </a:t>
+            </a:r>
+          </a:p>
+        </p:txBody>
+      </p:sp>
+      <p:sp>
+        <p:nvSpPr>
+          <p:cNvPr id="48" name="Rectangle 47">
+            <a:extLst>
+              <a:ext uri="{FF2B5EF4-FFF2-40B4-BE49-F238E27FC236}">
+                <a16:creationId xmlns:a16="http://schemas.microsoft.com/office/drawing/2014/main" id="{B96C30C9-46B6-2F41-86A6-91BA37E85A3A}"/>
+              </a:ext>
+            </a:extLst>
+          </p:cNvPr>
+          <p:cNvSpPr/>
+          <p:nvPr/>
+        </p:nvSpPr>
+        <p:spPr>
+          <a:xfrm>
+            <a:off x="1099007" y="2057032"/>
+            <a:ext cx="482346" cy="380640"/>
+          </a:xfrm>
+          <a:prstGeom prst="rect">
+            <a:avLst/>
+          </a:prstGeom>
+          <a:solidFill>
+            <a:schemeClr val="bg1"/>
+          </a:solidFill>
+          <a:ln w="3175">
+            <a:solidFill>
+              <a:schemeClr val="bg1"/>
+            </a:solidFill>
+          </a:ln>
+        </p:spPr>
+        <p:style>
+          <a:lnRef idx="2">
+            <a:schemeClr val="accent1">
+              <a:shade val="50000"/>
+            </a:schemeClr>
+          </a:lnRef>
+          <a:fillRef idx="1">
+            <a:schemeClr val="accent1"/>
+          </a:fillRef>
+          <a:effectRef idx="0">
+            <a:schemeClr val="accent1"/>
+          </a:effectRef>
+          <a:fontRef idx="minor">
+            <a:schemeClr val="lt1"/>
+          </a:fontRef>
+        </p:style>
+        <p:txBody>
+          <a:bodyPr rot="0" spcFirstLastPara="0" vertOverflow="overflow" horzOverflow="overflow" vert="horz" wrap="square" lIns="68580" tIns="34290" rIns="68580" bIns="34290" numCol="1" spcCol="0" rtlCol="0" fromWordArt="0" anchor="ctr" anchorCtr="0" forceAA="0" compatLnSpc="1">
+            <a:prstTxWarp prst="textNoShape">
+              <a:avLst/>
+            </a:prstTxWarp>
+            <a:noAutofit/>
+          </a:bodyPr>
+          <a:lstStyle/>
+          <a:p>
+            <a:pPr algn="ctr"/>
+            <a:r>
+              <a:rPr lang="en-US" sz="900" i="1" dirty="0">
+                <a:solidFill>
+                  <a:schemeClr val="tx1"/>
+                </a:solidFill>
+                <a:latin typeface="Times New Roman" panose="02020603050405020304" pitchFamily="18" charset="0"/>
+                <a:cs typeface="Times New Roman" panose="02020603050405020304" pitchFamily="18" charset="0"/>
+              </a:rPr>
+              <a:t>time</a:t>
+            </a:r>
+            <a:r>
+              <a:rPr lang="en-US" sz="900" i="1" baseline="-25000" dirty="0">
+                <a:solidFill>
+                  <a:schemeClr val="tx1"/>
+                </a:solidFill>
+                <a:latin typeface="Times New Roman" panose="02020603050405020304" pitchFamily="18" charset="0"/>
+                <a:cs typeface="Times New Roman" panose="02020603050405020304" pitchFamily="18" charset="0"/>
+              </a:rPr>
+              <a:t>t + 1 </a:t>
+            </a:r>
+            <a:endParaRPr lang="en-US" sz="900" i="1" dirty="0">
+              <a:solidFill>
+                <a:schemeClr val="tx1"/>
+              </a:solidFill>
+              <a:latin typeface="Times New Roman" panose="02020603050405020304" pitchFamily="18" charset="0"/>
+              <a:cs typeface="Times New Roman" panose="02020603050405020304" pitchFamily="18" charset="0"/>
+            </a:endParaRPr>
+          </a:p>
+        </p:txBody>
+      </p:sp>
+      <p:sp>
+        <p:nvSpPr>
+          <p:cNvPr id="49" name="Rectangle 48">
+            <a:extLst>
+              <a:ext uri="{FF2B5EF4-FFF2-40B4-BE49-F238E27FC236}">
+                <a16:creationId xmlns:a16="http://schemas.microsoft.com/office/drawing/2014/main" id="{85DF035D-411E-2A47-85A4-1385F9DE3390}"/>
+              </a:ext>
+            </a:extLst>
+          </p:cNvPr>
+          <p:cNvSpPr/>
+          <p:nvPr/>
+        </p:nvSpPr>
+        <p:spPr>
+          <a:xfrm>
+            <a:off x="1688855" y="2063474"/>
+            <a:ext cx="616142" cy="380640"/>
+          </a:xfrm>
+          <a:prstGeom prst="rect">
+            <a:avLst/>
+          </a:prstGeom>
+          <a:solidFill>
+            <a:schemeClr val="bg1"/>
+          </a:solidFill>
+          <a:ln w="3175">
+            <a:solidFill>
+              <a:schemeClr val="bg1"/>
+            </a:solidFill>
+          </a:ln>
+        </p:spPr>
+        <p:style>
+          <a:lnRef idx="2">
+            <a:schemeClr val="accent1">
+              <a:shade val="50000"/>
+            </a:schemeClr>
+          </a:lnRef>
+          <a:fillRef idx="1">
+            <a:schemeClr val="accent1"/>
+          </a:fillRef>
+          <a:effectRef idx="0">
+            <a:schemeClr val="accent1"/>
+          </a:effectRef>
+          <a:fontRef idx="minor">
+            <a:schemeClr val="lt1"/>
+          </a:fontRef>
+        </p:style>
+        <p:txBody>
+          <a:bodyPr rot="0" spcFirstLastPara="0" vertOverflow="overflow" horzOverflow="overflow" vert="horz" wrap="square" lIns="68580" tIns="34290" rIns="68580" bIns="34290" numCol="1" spcCol="0" rtlCol="0" fromWordArt="0" anchor="ctr" anchorCtr="0" forceAA="0" compatLnSpc="1">
+            <a:prstTxWarp prst="textNoShape">
+              <a:avLst/>
+            </a:prstTxWarp>
+            <a:noAutofit/>
+          </a:bodyPr>
+          <a:lstStyle/>
+          <a:p>
+            <a:pPr algn="ctr"/>
+            <a:r>
+              <a:rPr lang="en-US" sz="900" i="1" dirty="0">
+                <a:solidFill>
+                  <a:schemeClr val="tx1"/>
+                </a:solidFill>
+                <a:latin typeface="Times New Roman" panose="02020603050405020304" pitchFamily="18" charset="0"/>
+                <a:cs typeface="Times New Roman" panose="02020603050405020304" pitchFamily="18" charset="0"/>
+              </a:rPr>
+              <a:t>time</a:t>
+            </a:r>
+            <a:r>
+              <a:rPr lang="en-US" sz="900" i="1" baseline="-25000" dirty="0">
+                <a:solidFill>
+                  <a:schemeClr val="tx1"/>
+                </a:solidFill>
+                <a:latin typeface="Times New Roman" panose="02020603050405020304" pitchFamily="18" charset="0"/>
+                <a:cs typeface="Times New Roman" panose="02020603050405020304" pitchFamily="18" charset="0"/>
+              </a:rPr>
+              <a:t>t + 2</a:t>
+            </a:r>
+            <a:endParaRPr lang="en-US" sz="900" i="1" dirty="0">
+              <a:solidFill>
+                <a:schemeClr val="tx1"/>
+              </a:solidFill>
+              <a:latin typeface="Times New Roman" panose="02020603050405020304" pitchFamily="18" charset="0"/>
+              <a:cs typeface="Times New Roman" panose="02020603050405020304" pitchFamily="18" charset="0"/>
+            </a:endParaRPr>
+          </a:p>
+        </p:txBody>
+      </p:sp>
+      <p:sp>
+        <p:nvSpPr>
+          <p:cNvPr id="50" name="Rectangle 49">
+            <a:extLst>
+              <a:ext uri="{FF2B5EF4-FFF2-40B4-BE49-F238E27FC236}">
+                <a16:creationId xmlns:a16="http://schemas.microsoft.com/office/drawing/2014/main" id="{64C35F36-D036-044A-88BF-2693E4B0DF32}"/>
+              </a:ext>
+            </a:extLst>
+          </p:cNvPr>
+          <p:cNvSpPr/>
+          <p:nvPr/>
+        </p:nvSpPr>
+        <p:spPr>
+          <a:xfrm>
+            <a:off x="2804879" y="2067902"/>
+            <a:ext cx="664663" cy="380640"/>
+          </a:xfrm>
+          <a:prstGeom prst="rect">
+            <a:avLst/>
+          </a:prstGeom>
+          <a:solidFill>
+            <a:schemeClr val="bg1"/>
+          </a:solidFill>
+          <a:ln w="3175">
+            <a:solidFill>
+              <a:schemeClr val="bg1"/>
+            </a:solidFill>
+          </a:ln>
+        </p:spPr>
+        <p:style>
+          <a:lnRef idx="2">
+            <a:schemeClr val="accent1">
+              <a:shade val="50000"/>
+            </a:schemeClr>
+          </a:lnRef>
+          <a:fillRef idx="1">
+            <a:schemeClr val="accent1"/>
+          </a:fillRef>
+          <a:effectRef idx="0">
+            <a:schemeClr val="accent1"/>
+          </a:effectRef>
+          <a:fontRef idx="minor">
+            <a:schemeClr val="lt1"/>
+          </a:fontRef>
+        </p:style>
+        <p:txBody>
+          <a:bodyPr rot="0" spcFirstLastPara="0" vertOverflow="overflow" horzOverflow="overflow" vert="horz" wrap="square" lIns="68580" tIns="34290" rIns="68580" bIns="34290" numCol="1" spcCol="0" rtlCol="0" fromWordArt="0" anchor="ctr" anchorCtr="0" forceAA="0" compatLnSpc="1">
+            <a:prstTxWarp prst="textNoShape">
+              <a:avLst/>
+            </a:prstTxWarp>
+            <a:noAutofit/>
+          </a:bodyPr>
+          <a:lstStyle/>
+          <a:p>
+            <a:pPr algn="ctr"/>
+            <a:r>
+              <a:rPr lang="en-US" sz="900" i="1" dirty="0">
+                <a:solidFill>
+                  <a:schemeClr val="tx1"/>
+                </a:solidFill>
+                <a:latin typeface="Times New Roman" panose="02020603050405020304" pitchFamily="18" charset="0"/>
+                <a:cs typeface="Times New Roman" panose="02020603050405020304" pitchFamily="18" charset="0"/>
+              </a:rPr>
+              <a:t>time</a:t>
+            </a:r>
+            <a:r>
+              <a:rPr lang="en-US" sz="900" i="1" baseline="-25000" dirty="0">
+                <a:solidFill>
+                  <a:schemeClr val="tx1"/>
+                </a:solidFill>
+                <a:latin typeface="Times New Roman" panose="02020603050405020304" pitchFamily="18" charset="0"/>
+                <a:cs typeface="Times New Roman" panose="02020603050405020304" pitchFamily="18" charset="0"/>
+              </a:rPr>
+              <a:t>t + n</a:t>
+            </a:r>
+            <a:endParaRPr lang="en-US" sz="900" i="1" dirty="0">
+              <a:solidFill>
+                <a:schemeClr val="tx1"/>
+              </a:solidFill>
+              <a:latin typeface="Times New Roman" panose="02020603050405020304" pitchFamily="18" charset="0"/>
+              <a:cs typeface="Times New Roman" panose="02020603050405020304" pitchFamily="18" charset="0"/>
+            </a:endParaRPr>
+          </a:p>
+        </p:txBody>
+      </p:sp>
+      <p:sp>
+        <p:nvSpPr>
+          <p:cNvPr id="51" name="TextBox 50">
+            <a:extLst>
+              <a:ext uri="{FF2B5EF4-FFF2-40B4-BE49-F238E27FC236}">
+                <a16:creationId xmlns:a16="http://schemas.microsoft.com/office/drawing/2014/main" id="{449DBC4F-ACDC-624B-A1E5-468C70A8583C}"/>
+              </a:ext>
+            </a:extLst>
+          </p:cNvPr>
+          <p:cNvSpPr txBox="1"/>
+          <p:nvPr/>
+        </p:nvSpPr>
+        <p:spPr>
+          <a:xfrm>
+            <a:off x="2517151" y="2154199"/>
+            <a:ext cx="338554" cy="276999"/>
+          </a:xfrm>
+          <a:prstGeom prst="rect">
+            <a:avLst/>
+          </a:prstGeom>
+          <a:noFill/>
+        </p:spPr>
+        <p:txBody>
+          <a:bodyPr wrap="none" rtlCol="0">
+            <a:spAutoFit/>
+          </a:bodyPr>
+          <a:lstStyle/>
+          <a:p>
+            <a:r>
+              <a:rPr lang="en-US" sz="1200" dirty="0">
+                <a:latin typeface="Times New Roman" panose="02020603050405020304" pitchFamily="18" charset="0"/>
+                <a:cs typeface="Times New Roman" panose="02020603050405020304" pitchFamily="18" charset="0"/>
+              </a:rPr>
+              <a:t>…</a:t>
+            </a:r>
+          </a:p>
+        </p:txBody>
+      </p:sp>
+      <p:cxnSp>
+        <p:nvCxnSpPr>
+          <p:cNvPr id="52" name="Straight Arrow Connector 51">
+            <a:extLst>
+              <a:ext uri="{FF2B5EF4-FFF2-40B4-BE49-F238E27FC236}">
+                <a16:creationId xmlns:a16="http://schemas.microsoft.com/office/drawing/2014/main" id="{A3470699-A9A0-9A41-839B-73F1CDA369A9}"/>
+              </a:ext>
+            </a:extLst>
+          </p:cNvPr>
+          <p:cNvCxnSpPr>
+            <a:cxnSpLocks/>
+            <a:endCxn id="39" idx="2"/>
+          </p:cNvCxnSpPr>
+          <p:nvPr/>
+        </p:nvCxnSpPr>
+        <p:spPr>
+          <a:xfrm flipV="1">
+            <a:off x="677809" y="1437028"/>
+            <a:ext cx="5625" cy="625740"/>
+          </a:xfrm>
+          <a:prstGeom prst="straightConnector1">
+            <a:avLst/>
+          </a:prstGeom>
+          <a:ln>
+            <a:solidFill>
+              <a:schemeClr val="tx1"/>
+            </a:solidFill>
+            <a:tailEnd type="triangle"/>
+          </a:ln>
+        </p:spPr>
+        <p:style>
+          <a:lnRef idx="1">
+            <a:schemeClr val="accent1"/>
+          </a:lnRef>
+          <a:fillRef idx="0">
+            <a:schemeClr val="accent1"/>
+          </a:fillRef>
+          <a:effectRef idx="0">
+            <a:schemeClr val="accent1"/>
+          </a:effectRef>
+          <a:fontRef idx="minor">
+            <a:schemeClr val="tx1"/>
+          </a:fontRef>
+        </p:style>
+      </p:cxnSp>
+      <p:cxnSp>
+        <p:nvCxnSpPr>
+          <p:cNvPr id="55" name="Straight Connector 54">
+            <a:extLst>
+              <a:ext uri="{FF2B5EF4-FFF2-40B4-BE49-F238E27FC236}">
+                <a16:creationId xmlns:a16="http://schemas.microsoft.com/office/drawing/2014/main" id="{14C48B56-A687-1847-ADDE-5A7BC7CFE727}"/>
+              </a:ext>
+            </a:extLst>
+          </p:cNvPr>
+          <p:cNvCxnSpPr/>
+          <p:nvPr/>
+        </p:nvCxnSpPr>
+        <p:spPr>
+          <a:xfrm>
+            <a:off x="344005" y="2542880"/>
+            <a:ext cx="3090026" cy="0"/>
+          </a:xfrm>
+          <a:prstGeom prst="line">
+            <a:avLst/>
+          </a:prstGeom>
+          <a:ln w="6350">
+            <a:solidFill>
+              <a:schemeClr val="tx1"/>
+            </a:solidFill>
+            <a:prstDash val="sysDash"/>
+          </a:ln>
+        </p:spPr>
+        <p:style>
+          <a:lnRef idx="1">
+            <a:schemeClr val="accent1"/>
+          </a:lnRef>
+          <a:fillRef idx="0">
+            <a:schemeClr val="accent1"/>
+          </a:fillRef>
+          <a:effectRef idx="0">
+            <a:schemeClr val="accent1"/>
+          </a:effectRef>
+          <a:fontRef idx="minor">
+            <a:schemeClr val="tx1"/>
+          </a:fontRef>
+        </p:style>
+      </p:cxnSp>
+      <p:sp>
+        <p:nvSpPr>
+          <p:cNvPr id="56" name="TextBox 55">
+            <a:extLst>
+              <a:ext uri="{FF2B5EF4-FFF2-40B4-BE49-F238E27FC236}">
+                <a16:creationId xmlns:a16="http://schemas.microsoft.com/office/drawing/2014/main" id="{E8BE0F24-2F89-5041-97B8-6F0A12EFAE6E}"/>
+              </a:ext>
+            </a:extLst>
+          </p:cNvPr>
+          <p:cNvSpPr txBox="1"/>
+          <p:nvPr/>
+        </p:nvSpPr>
+        <p:spPr>
+          <a:xfrm>
+            <a:off x="223833" y="811084"/>
+            <a:ext cx="460382" cy="230832"/>
+          </a:xfrm>
+          <a:prstGeom prst="rect">
+            <a:avLst/>
+          </a:prstGeom>
+          <a:noFill/>
+        </p:spPr>
+        <p:txBody>
+          <a:bodyPr wrap="none" rtlCol="0">
+            <a:spAutoFit/>
+          </a:bodyPr>
+          <a:lstStyle/>
+          <a:p>
+            <a:r>
+              <a:rPr lang="en-US" sz="900" dirty="0"/>
+              <a:t>Trend</a:t>
+            </a:r>
+          </a:p>
+        </p:txBody>
+      </p:sp>
+      <p:cxnSp>
+        <p:nvCxnSpPr>
+          <p:cNvPr id="76" name="Straight Connector 75">
+            <a:extLst>
+              <a:ext uri="{FF2B5EF4-FFF2-40B4-BE49-F238E27FC236}">
+                <a16:creationId xmlns:a16="http://schemas.microsoft.com/office/drawing/2014/main" id="{EB0B1B03-55C3-994E-982A-F3061E7255A0}"/>
+              </a:ext>
+            </a:extLst>
+          </p:cNvPr>
+          <p:cNvCxnSpPr/>
+          <p:nvPr/>
+        </p:nvCxnSpPr>
+        <p:spPr>
+          <a:xfrm>
+            <a:off x="378467" y="4473525"/>
+            <a:ext cx="3060179" cy="0"/>
+          </a:xfrm>
+          <a:prstGeom prst="line">
+            <a:avLst/>
+          </a:prstGeom>
+          <a:ln w="6350">
+            <a:solidFill>
+              <a:schemeClr val="tx1"/>
+            </a:solidFill>
+            <a:prstDash val="sysDash"/>
+          </a:ln>
+        </p:spPr>
+        <p:style>
+          <a:lnRef idx="1">
+            <a:schemeClr val="accent1"/>
+          </a:lnRef>
+          <a:fillRef idx="0">
+            <a:schemeClr val="accent1"/>
+          </a:fillRef>
+          <a:effectRef idx="0">
+            <a:schemeClr val="accent1"/>
+          </a:effectRef>
+          <a:fontRef idx="minor">
+            <a:schemeClr val="tx1"/>
+          </a:fontRef>
+        </p:style>
+      </p:cxnSp>
+      <p:sp>
+        <p:nvSpPr>
+          <p:cNvPr id="77" name="TextBox 76">
+            <a:extLst>
+              <a:ext uri="{FF2B5EF4-FFF2-40B4-BE49-F238E27FC236}">
+                <a16:creationId xmlns:a16="http://schemas.microsoft.com/office/drawing/2014/main" id="{2E27E964-6DD5-894F-9991-256BCE7B0062}"/>
+              </a:ext>
+            </a:extLst>
+          </p:cNvPr>
+          <p:cNvSpPr txBox="1"/>
+          <p:nvPr/>
+        </p:nvSpPr>
+        <p:spPr>
+          <a:xfrm>
+            <a:off x="221428" y="2613909"/>
+            <a:ext cx="813043" cy="230832"/>
+          </a:xfrm>
+          <a:prstGeom prst="rect">
+            <a:avLst/>
+          </a:prstGeom>
+          <a:noFill/>
+        </p:spPr>
+        <p:txBody>
+          <a:bodyPr wrap="none" rtlCol="0">
+            <a:spAutoFit/>
+          </a:bodyPr>
+          <a:lstStyle/>
+          <a:p>
+            <a:r>
+              <a:rPr lang="en-US" sz="900" dirty="0"/>
+              <a:t>Relationships</a:t>
+            </a:r>
+          </a:p>
+        </p:txBody>
+      </p:sp>
+      <p:sp>
+        <p:nvSpPr>
+          <p:cNvPr id="90" name="Rectangle 89">
+            <a:extLst>
+              <a:ext uri="{FF2B5EF4-FFF2-40B4-BE49-F238E27FC236}">
+                <a16:creationId xmlns:a16="http://schemas.microsoft.com/office/drawing/2014/main" id="{367CD6A4-99FE-0943-BD27-B1C8FC580BE7}"/>
+              </a:ext>
+            </a:extLst>
+          </p:cNvPr>
+          <p:cNvSpPr/>
+          <p:nvPr/>
+        </p:nvSpPr>
+        <p:spPr>
+          <a:xfrm>
+            <a:off x="490093" y="2903463"/>
+            <a:ext cx="386682" cy="380640"/>
+          </a:xfrm>
+          <a:prstGeom prst="rect">
+            <a:avLst/>
+          </a:prstGeom>
+          <a:solidFill>
+            <a:schemeClr val="bg1"/>
+          </a:solidFill>
+          <a:ln w="3175">
+            <a:solidFill>
+              <a:schemeClr val="tx1">
+                <a:lumMod val="65000"/>
+                <a:lumOff val="35000"/>
+              </a:schemeClr>
+            </a:solidFill>
+          </a:ln>
+        </p:spPr>
+        <p:style>
+          <a:lnRef idx="2">
+            <a:schemeClr val="accent1">
+              <a:shade val="50000"/>
+            </a:schemeClr>
+          </a:lnRef>
+          <a:fillRef idx="1">
+            <a:schemeClr val="accent1"/>
+          </a:fillRef>
+          <a:effectRef idx="0">
+            <a:schemeClr val="accent1"/>
+          </a:effectRef>
+          <a:fontRef idx="minor">
+            <a:schemeClr val="lt1"/>
+          </a:fontRef>
+        </p:style>
+        <p:txBody>
+          <a:bodyPr rot="0" spcFirstLastPara="0" vertOverflow="overflow" horzOverflow="overflow" vert="horz" wrap="square" lIns="68580" tIns="34290" rIns="68580" bIns="34290" numCol="1" spcCol="0" rtlCol="0" fromWordArt="0" anchor="ctr" anchorCtr="0" forceAA="0" compatLnSpc="1">
+            <a:prstTxWarp prst="textNoShape">
+              <a:avLst/>
+            </a:prstTxWarp>
+            <a:noAutofit/>
+          </a:bodyPr>
+          <a:lstStyle/>
+          <a:p>
+            <a:pPr algn="ctr"/>
+            <a:r>
+              <a:rPr lang="en-US" sz="900" i="1" dirty="0">
+                <a:solidFill>
+                  <a:schemeClr val="tx1"/>
+                </a:solidFill>
+                <a:latin typeface="Times New Roman" panose="02020603050405020304" pitchFamily="18" charset="0"/>
+                <a:cs typeface="Times New Roman" panose="02020603050405020304" pitchFamily="18" charset="0"/>
+              </a:rPr>
+              <a:t>Y</a:t>
+            </a:r>
+            <a:r>
+              <a:rPr lang="en-US" sz="900" i="1" baseline="-25000" dirty="0">
+                <a:solidFill>
+                  <a:schemeClr val="tx1"/>
+                </a:solidFill>
+                <a:latin typeface="Times New Roman" panose="02020603050405020304" pitchFamily="18" charset="0"/>
+                <a:cs typeface="Times New Roman" panose="02020603050405020304" pitchFamily="18" charset="0"/>
+              </a:rPr>
+              <a:t>t</a:t>
+            </a:r>
+            <a:endParaRPr lang="en-US" sz="900" i="1" dirty="0">
+              <a:solidFill>
+                <a:schemeClr val="tx1"/>
+              </a:solidFill>
+              <a:latin typeface="Times New Roman" panose="02020603050405020304" pitchFamily="18" charset="0"/>
+              <a:cs typeface="Times New Roman" panose="02020603050405020304" pitchFamily="18" charset="0"/>
+            </a:endParaRPr>
+          </a:p>
+        </p:txBody>
+      </p:sp>
+      <p:sp>
+        <p:nvSpPr>
+          <p:cNvPr id="91" name="Rectangle 90">
+            <a:extLst>
+              <a:ext uri="{FF2B5EF4-FFF2-40B4-BE49-F238E27FC236}">
+                <a16:creationId xmlns:a16="http://schemas.microsoft.com/office/drawing/2014/main" id="{3ED4157A-175C-1C48-9DDF-25E848CDDCE0}"/>
+              </a:ext>
+            </a:extLst>
+          </p:cNvPr>
+          <p:cNvSpPr/>
+          <p:nvPr/>
+        </p:nvSpPr>
+        <p:spPr>
+          <a:xfrm>
+            <a:off x="1165779" y="2903462"/>
+            <a:ext cx="386682" cy="380640"/>
+          </a:xfrm>
+          <a:prstGeom prst="rect">
+            <a:avLst/>
+          </a:prstGeom>
+          <a:solidFill>
+            <a:schemeClr val="bg1"/>
+          </a:solidFill>
+          <a:ln w="3175">
+            <a:solidFill>
+              <a:schemeClr val="tx1">
+                <a:lumMod val="65000"/>
+                <a:lumOff val="35000"/>
+              </a:schemeClr>
+            </a:solidFill>
+          </a:ln>
+        </p:spPr>
+        <p:style>
+          <a:lnRef idx="2">
+            <a:schemeClr val="accent1">
+              <a:shade val="50000"/>
+            </a:schemeClr>
+          </a:lnRef>
+          <a:fillRef idx="1">
+            <a:schemeClr val="accent1"/>
+          </a:fillRef>
+          <a:effectRef idx="0">
+            <a:schemeClr val="accent1"/>
+          </a:effectRef>
+          <a:fontRef idx="minor">
+            <a:schemeClr val="lt1"/>
+          </a:fontRef>
+        </p:style>
+        <p:txBody>
+          <a:bodyPr rot="0" spcFirstLastPara="0" vertOverflow="overflow" horzOverflow="overflow" vert="horz" wrap="square" lIns="68580" tIns="34290" rIns="68580" bIns="34290" numCol="1" spcCol="0" rtlCol="0" fromWordArt="0" anchor="ctr" anchorCtr="0" forceAA="0" compatLnSpc="1">
+            <a:prstTxWarp prst="textNoShape">
+              <a:avLst/>
+            </a:prstTxWarp>
+            <a:noAutofit/>
+          </a:bodyPr>
+          <a:lstStyle/>
+          <a:p>
+            <a:pPr algn="ctr"/>
+            <a:r>
+              <a:rPr lang="en-US" sz="900" i="1" dirty="0">
+                <a:solidFill>
+                  <a:schemeClr val="tx1"/>
+                </a:solidFill>
+                <a:latin typeface="Times New Roman" panose="02020603050405020304" pitchFamily="18" charset="0"/>
+                <a:cs typeface="Times New Roman" panose="02020603050405020304" pitchFamily="18" charset="0"/>
+              </a:rPr>
+              <a:t>Y</a:t>
+            </a:r>
+            <a:r>
+              <a:rPr lang="en-US" sz="900" i="1" baseline="-25000" dirty="0">
+                <a:solidFill>
+                  <a:schemeClr val="tx1"/>
+                </a:solidFill>
+                <a:latin typeface="Times New Roman" panose="02020603050405020304" pitchFamily="18" charset="0"/>
+                <a:cs typeface="Times New Roman" panose="02020603050405020304" pitchFamily="18" charset="0"/>
+              </a:rPr>
+              <a:t>t + 1</a:t>
+            </a:r>
+            <a:endParaRPr lang="en-US" sz="900" i="1" dirty="0">
+              <a:solidFill>
+                <a:schemeClr val="tx1"/>
+              </a:solidFill>
+              <a:latin typeface="Times New Roman" panose="02020603050405020304" pitchFamily="18" charset="0"/>
+              <a:cs typeface="Times New Roman" panose="02020603050405020304" pitchFamily="18" charset="0"/>
+            </a:endParaRPr>
+          </a:p>
+        </p:txBody>
+      </p:sp>
+      <p:sp>
+        <p:nvSpPr>
+          <p:cNvPr id="92" name="Rectangle 91">
+            <a:extLst>
+              <a:ext uri="{FF2B5EF4-FFF2-40B4-BE49-F238E27FC236}">
+                <a16:creationId xmlns:a16="http://schemas.microsoft.com/office/drawing/2014/main" id="{3AB87048-505B-FA48-AE52-5934B2586249}"/>
+              </a:ext>
+            </a:extLst>
+          </p:cNvPr>
+          <p:cNvSpPr/>
+          <p:nvPr/>
+        </p:nvSpPr>
+        <p:spPr>
+          <a:xfrm>
+            <a:off x="1841466" y="2903462"/>
+            <a:ext cx="386682" cy="380640"/>
+          </a:xfrm>
+          <a:prstGeom prst="rect">
+            <a:avLst/>
+          </a:prstGeom>
+          <a:solidFill>
+            <a:schemeClr val="bg1"/>
+          </a:solidFill>
+          <a:ln w="3175">
+            <a:solidFill>
+              <a:schemeClr val="tx1">
+                <a:lumMod val="65000"/>
+                <a:lumOff val="35000"/>
+              </a:schemeClr>
+            </a:solidFill>
+          </a:ln>
+        </p:spPr>
+        <p:style>
+          <a:lnRef idx="2">
+            <a:schemeClr val="accent1">
+              <a:shade val="50000"/>
+            </a:schemeClr>
+          </a:lnRef>
+          <a:fillRef idx="1">
+            <a:schemeClr val="accent1"/>
+          </a:fillRef>
+          <a:effectRef idx="0">
+            <a:schemeClr val="accent1"/>
+          </a:effectRef>
+          <a:fontRef idx="minor">
+            <a:schemeClr val="lt1"/>
+          </a:fontRef>
+        </p:style>
+        <p:txBody>
+          <a:bodyPr rot="0" spcFirstLastPara="0" vertOverflow="overflow" horzOverflow="overflow" vert="horz" wrap="square" lIns="68580" tIns="34290" rIns="68580" bIns="34290" numCol="1" spcCol="0" rtlCol="0" fromWordArt="0" anchor="ctr" anchorCtr="0" forceAA="0" compatLnSpc="1">
+            <a:prstTxWarp prst="textNoShape">
+              <a:avLst/>
+            </a:prstTxWarp>
+            <a:noAutofit/>
+          </a:bodyPr>
+          <a:lstStyle/>
+          <a:p>
+            <a:pPr algn="ctr"/>
+            <a:r>
+              <a:rPr lang="en-US" sz="900" i="1" dirty="0">
+                <a:solidFill>
+                  <a:schemeClr val="tx1"/>
+                </a:solidFill>
+                <a:latin typeface="Times New Roman" panose="02020603050405020304" pitchFamily="18" charset="0"/>
+                <a:cs typeface="Times New Roman" panose="02020603050405020304" pitchFamily="18" charset="0"/>
+              </a:rPr>
+              <a:t>Y</a:t>
+            </a:r>
+            <a:r>
+              <a:rPr lang="en-US" sz="900" i="1" baseline="-25000" dirty="0">
+                <a:solidFill>
+                  <a:schemeClr val="tx1"/>
+                </a:solidFill>
+                <a:latin typeface="Times New Roman" panose="02020603050405020304" pitchFamily="18" charset="0"/>
+                <a:cs typeface="Times New Roman" panose="02020603050405020304" pitchFamily="18" charset="0"/>
+              </a:rPr>
+              <a:t>t + 2</a:t>
+            </a:r>
+            <a:endParaRPr lang="en-US" sz="900" i="1" dirty="0">
+              <a:solidFill>
+                <a:schemeClr val="tx1"/>
+              </a:solidFill>
+              <a:latin typeface="Times New Roman" panose="02020603050405020304" pitchFamily="18" charset="0"/>
+              <a:cs typeface="Times New Roman" panose="02020603050405020304" pitchFamily="18" charset="0"/>
+            </a:endParaRPr>
+          </a:p>
+        </p:txBody>
+      </p:sp>
+      <p:sp>
+        <p:nvSpPr>
+          <p:cNvPr id="93" name="Rectangle 92">
+            <a:extLst>
+              <a:ext uri="{FF2B5EF4-FFF2-40B4-BE49-F238E27FC236}">
+                <a16:creationId xmlns:a16="http://schemas.microsoft.com/office/drawing/2014/main" id="{02443186-102F-6945-9733-74B68B755435}"/>
+              </a:ext>
+            </a:extLst>
+          </p:cNvPr>
+          <p:cNvSpPr/>
+          <p:nvPr/>
+        </p:nvSpPr>
+        <p:spPr>
+          <a:xfrm>
+            <a:off x="2950659" y="2903462"/>
+            <a:ext cx="386682" cy="380640"/>
+          </a:xfrm>
+          <a:prstGeom prst="rect">
+            <a:avLst/>
+          </a:prstGeom>
+          <a:solidFill>
+            <a:schemeClr val="bg1"/>
+          </a:solidFill>
+          <a:ln w="3175">
+            <a:solidFill>
+              <a:schemeClr val="tx1">
+                <a:lumMod val="65000"/>
+                <a:lumOff val="35000"/>
+              </a:schemeClr>
+            </a:solidFill>
+          </a:ln>
+        </p:spPr>
+        <p:style>
+          <a:lnRef idx="2">
+            <a:schemeClr val="accent1">
+              <a:shade val="50000"/>
+            </a:schemeClr>
+          </a:lnRef>
+          <a:fillRef idx="1">
+            <a:schemeClr val="accent1"/>
+          </a:fillRef>
+          <a:effectRef idx="0">
+            <a:schemeClr val="accent1"/>
+          </a:effectRef>
+          <a:fontRef idx="minor">
+            <a:schemeClr val="lt1"/>
+          </a:fontRef>
+        </p:style>
+        <p:txBody>
+          <a:bodyPr rot="0" spcFirstLastPara="0" vertOverflow="overflow" horzOverflow="overflow" vert="horz" wrap="square" lIns="68580" tIns="34290" rIns="68580" bIns="34290" numCol="1" spcCol="0" rtlCol="0" fromWordArt="0" anchor="ctr" anchorCtr="0" forceAA="0" compatLnSpc="1">
+            <a:prstTxWarp prst="textNoShape">
+              <a:avLst/>
+            </a:prstTxWarp>
+            <a:noAutofit/>
+          </a:bodyPr>
+          <a:lstStyle/>
+          <a:p>
+            <a:pPr algn="ctr"/>
+            <a:r>
+              <a:rPr lang="en-US" sz="900" i="1" dirty="0">
+                <a:solidFill>
+                  <a:schemeClr val="tx1"/>
+                </a:solidFill>
+                <a:latin typeface="Times New Roman" panose="02020603050405020304" pitchFamily="18" charset="0"/>
+                <a:cs typeface="Times New Roman" panose="02020603050405020304" pitchFamily="18" charset="0"/>
+              </a:rPr>
+              <a:t>Y</a:t>
+            </a:r>
+            <a:r>
+              <a:rPr lang="en-US" sz="900" i="1" baseline="-25000" dirty="0">
+                <a:solidFill>
+                  <a:schemeClr val="tx1"/>
+                </a:solidFill>
+                <a:latin typeface="Times New Roman" panose="02020603050405020304" pitchFamily="18" charset="0"/>
+                <a:cs typeface="Times New Roman" panose="02020603050405020304" pitchFamily="18" charset="0"/>
+              </a:rPr>
+              <a:t>t + n</a:t>
+            </a:r>
+            <a:endParaRPr lang="en-US" sz="900" i="1" dirty="0">
+              <a:solidFill>
+                <a:schemeClr val="tx1"/>
+              </a:solidFill>
+              <a:latin typeface="Times New Roman" panose="02020603050405020304" pitchFamily="18" charset="0"/>
+              <a:cs typeface="Times New Roman" panose="02020603050405020304" pitchFamily="18" charset="0"/>
+            </a:endParaRPr>
+          </a:p>
+        </p:txBody>
+      </p:sp>
+      <p:sp>
+        <p:nvSpPr>
+          <p:cNvPr id="94" name="TextBox 93">
+            <a:extLst>
+              <a:ext uri="{FF2B5EF4-FFF2-40B4-BE49-F238E27FC236}">
+                <a16:creationId xmlns:a16="http://schemas.microsoft.com/office/drawing/2014/main" id="{5CF650E5-3D14-AE41-B181-77A0549ED3A5}"/>
+              </a:ext>
+            </a:extLst>
+          </p:cNvPr>
+          <p:cNvSpPr txBox="1"/>
+          <p:nvPr/>
+        </p:nvSpPr>
+        <p:spPr>
+          <a:xfrm>
+            <a:off x="2509133" y="2999827"/>
+            <a:ext cx="338554" cy="276999"/>
+          </a:xfrm>
+          <a:prstGeom prst="rect">
+            <a:avLst/>
+          </a:prstGeom>
+          <a:noFill/>
+        </p:spPr>
+        <p:txBody>
+          <a:bodyPr wrap="none" rtlCol="0">
+            <a:spAutoFit/>
+          </a:bodyPr>
+          <a:lstStyle/>
+          <a:p>
+            <a:r>
+              <a:rPr lang="en-US" sz="1200" dirty="0">
+                <a:latin typeface="Times New Roman" panose="02020603050405020304" pitchFamily="18" charset="0"/>
+                <a:cs typeface="Times New Roman" panose="02020603050405020304" pitchFamily="18" charset="0"/>
+              </a:rPr>
+              <a:t>…</a:t>
+            </a:r>
+          </a:p>
+        </p:txBody>
+      </p:sp>
+      <p:sp>
+        <p:nvSpPr>
+          <p:cNvPr id="98" name="Rectangle 97">
+            <a:extLst>
+              <a:ext uri="{FF2B5EF4-FFF2-40B4-BE49-F238E27FC236}">
+                <a16:creationId xmlns:a16="http://schemas.microsoft.com/office/drawing/2014/main" id="{E083EAF6-3EAD-D642-BB11-345275845AD5}"/>
+              </a:ext>
+            </a:extLst>
+          </p:cNvPr>
+          <p:cNvSpPr/>
+          <p:nvPr/>
+        </p:nvSpPr>
+        <p:spPr>
+          <a:xfrm>
+            <a:off x="490092" y="3904909"/>
+            <a:ext cx="386682" cy="380640"/>
+          </a:xfrm>
+          <a:prstGeom prst="rect">
+            <a:avLst/>
+          </a:prstGeom>
+          <a:solidFill>
+            <a:schemeClr val="bg1"/>
+          </a:solidFill>
+          <a:ln w="3175">
+            <a:solidFill>
+              <a:schemeClr val="tx1">
+                <a:lumMod val="65000"/>
+                <a:lumOff val="35000"/>
+              </a:schemeClr>
+            </a:solidFill>
+          </a:ln>
+        </p:spPr>
+        <p:style>
+          <a:lnRef idx="2">
+            <a:schemeClr val="accent1">
+              <a:shade val="50000"/>
+            </a:schemeClr>
+          </a:lnRef>
+          <a:fillRef idx="1">
+            <a:schemeClr val="accent1"/>
+          </a:fillRef>
+          <a:effectRef idx="0">
+            <a:schemeClr val="accent1"/>
+          </a:effectRef>
+          <a:fontRef idx="minor">
+            <a:schemeClr val="lt1"/>
+          </a:fontRef>
+        </p:style>
+        <p:txBody>
+          <a:bodyPr rot="0" spcFirstLastPara="0" vertOverflow="overflow" horzOverflow="overflow" vert="horz" wrap="square" lIns="68580" tIns="34290" rIns="68580" bIns="34290" numCol="1" spcCol="0" rtlCol="0" fromWordArt="0" anchor="ctr" anchorCtr="0" forceAA="0" compatLnSpc="1">
+            <a:prstTxWarp prst="textNoShape">
+              <a:avLst/>
+            </a:prstTxWarp>
+            <a:noAutofit/>
+          </a:bodyPr>
+          <a:lstStyle/>
+          <a:p>
+            <a:pPr algn="ctr"/>
+            <a:r>
+              <a:rPr lang="en-US" sz="900" i="1" dirty="0">
+                <a:solidFill>
+                  <a:schemeClr val="tx1"/>
+                </a:solidFill>
+                <a:latin typeface="Times New Roman" panose="02020603050405020304" pitchFamily="18" charset="0"/>
+                <a:cs typeface="Times New Roman" panose="02020603050405020304" pitchFamily="18" charset="0"/>
+              </a:rPr>
+              <a:t>X</a:t>
+            </a:r>
+            <a:r>
+              <a:rPr lang="en-US" sz="900" i="1" baseline="-25000" dirty="0">
+                <a:solidFill>
+                  <a:schemeClr val="tx1"/>
+                </a:solidFill>
+                <a:latin typeface="Times New Roman" panose="02020603050405020304" pitchFamily="18" charset="0"/>
+                <a:cs typeface="Times New Roman" panose="02020603050405020304" pitchFamily="18" charset="0"/>
+              </a:rPr>
+              <a:t>t</a:t>
+            </a:r>
+            <a:endParaRPr lang="en-US" sz="900" i="1" dirty="0">
+              <a:solidFill>
+                <a:schemeClr val="tx1"/>
+              </a:solidFill>
+              <a:latin typeface="Times New Roman" panose="02020603050405020304" pitchFamily="18" charset="0"/>
+              <a:cs typeface="Times New Roman" panose="02020603050405020304" pitchFamily="18" charset="0"/>
+            </a:endParaRPr>
+          </a:p>
+        </p:txBody>
+      </p:sp>
+      <p:sp>
+        <p:nvSpPr>
+          <p:cNvPr id="99" name="Rectangle 98">
+            <a:extLst>
+              <a:ext uri="{FF2B5EF4-FFF2-40B4-BE49-F238E27FC236}">
+                <a16:creationId xmlns:a16="http://schemas.microsoft.com/office/drawing/2014/main" id="{9F8E39F5-713A-5646-B0D2-297D2D70AE44}"/>
+              </a:ext>
+            </a:extLst>
+          </p:cNvPr>
+          <p:cNvSpPr/>
+          <p:nvPr/>
+        </p:nvSpPr>
+        <p:spPr>
+          <a:xfrm>
+            <a:off x="1165779" y="3904909"/>
+            <a:ext cx="386682" cy="380640"/>
+          </a:xfrm>
+          <a:prstGeom prst="rect">
+            <a:avLst/>
+          </a:prstGeom>
+          <a:solidFill>
+            <a:schemeClr val="bg1"/>
+          </a:solidFill>
+          <a:ln w="3175">
+            <a:solidFill>
+              <a:schemeClr val="tx1">
+                <a:lumMod val="65000"/>
+                <a:lumOff val="35000"/>
+              </a:schemeClr>
+            </a:solidFill>
+          </a:ln>
+        </p:spPr>
+        <p:style>
+          <a:lnRef idx="2">
+            <a:schemeClr val="accent1">
+              <a:shade val="50000"/>
+            </a:schemeClr>
+          </a:lnRef>
+          <a:fillRef idx="1">
+            <a:schemeClr val="accent1"/>
+          </a:fillRef>
+          <a:effectRef idx="0">
+            <a:schemeClr val="accent1"/>
+          </a:effectRef>
+          <a:fontRef idx="minor">
+            <a:schemeClr val="lt1"/>
+          </a:fontRef>
+        </p:style>
+        <p:txBody>
+          <a:bodyPr rot="0" spcFirstLastPara="0" vertOverflow="overflow" horzOverflow="overflow" vert="horz" wrap="square" lIns="68580" tIns="34290" rIns="68580" bIns="34290" numCol="1" spcCol="0" rtlCol="0" fromWordArt="0" anchor="ctr" anchorCtr="0" forceAA="0" compatLnSpc="1">
+            <a:prstTxWarp prst="textNoShape">
+              <a:avLst/>
+            </a:prstTxWarp>
+            <a:noAutofit/>
+          </a:bodyPr>
+          <a:lstStyle/>
+          <a:p>
+            <a:pPr algn="ctr"/>
+            <a:r>
+              <a:rPr lang="en-US" sz="900" i="1" dirty="0">
+                <a:solidFill>
+                  <a:schemeClr val="tx1"/>
+                </a:solidFill>
+                <a:latin typeface="Times New Roman" panose="02020603050405020304" pitchFamily="18" charset="0"/>
+                <a:cs typeface="Times New Roman" panose="02020603050405020304" pitchFamily="18" charset="0"/>
+              </a:rPr>
+              <a:t>X</a:t>
+            </a:r>
+            <a:r>
+              <a:rPr lang="en-US" sz="900" i="1" baseline="-25000" dirty="0">
+                <a:solidFill>
+                  <a:schemeClr val="tx1"/>
+                </a:solidFill>
+                <a:latin typeface="Times New Roman" panose="02020603050405020304" pitchFamily="18" charset="0"/>
+                <a:cs typeface="Times New Roman" panose="02020603050405020304" pitchFamily="18" charset="0"/>
+              </a:rPr>
+              <a:t>t + 1</a:t>
+            </a:r>
+            <a:endParaRPr lang="en-US" sz="900" i="1" dirty="0">
+              <a:solidFill>
+                <a:schemeClr val="tx1"/>
+              </a:solidFill>
+              <a:latin typeface="Times New Roman" panose="02020603050405020304" pitchFamily="18" charset="0"/>
+              <a:cs typeface="Times New Roman" panose="02020603050405020304" pitchFamily="18" charset="0"/>
+            </a:endParaRPr>
+          </a:p>
+        </p:txBody>
+      </p:sp>
+      <p:sp>
+        <p:nvSpPr>
+          <p:cNvPr id="100" name="Rectangle 99">
+            <a:extLst>
+              <a:ext uri="{FF2B5EF4-FFF2-40B4-BE49-F238E27FC236}">
+                <a16:creationId xmlns:a16="http://schemas.microsoft.com/office/drawing/2014/main" id="{6C91BBD9-1251-5A45-A431-C171757BE5D4}"/>
+              </a:ext>
+            </a:extLst>
+          </p:cNvPr>
+          <p:cNvSpPr/>
+          <p:nvPr/>
+        </p:nvSpPr>
+        <p:spPr>
+          <a:xfrm>
+            <a:off x="1841465" y="3904909"/>
+            <a:ext cx="386682" cy="380640"/>
+          </a:xfrm>
+          <a:prstGeom prst="rect">
+            <a:avLst/>
+          </a:prstGeom>
+          <a:solidFill>
+            <a:schemeClr val="bg1"/>
+          </a:solidFill>
+          <a:ln w="3175">
+            <a:solidFill>
+              <a:schemeClr val="tx1">
+                <a:lumMod val="65000"/>
+                <a:lumOff val="35000"/>
+              </a:schemeClr>
+            </a:solidFill>
+          </a:ln>
+        </p:spPr>
+        <p:style>
+          <a:lnRef idx="2">
+            <a:schemeClr val="accent1">
+              <a:shade val="50000"/>
+            </a:schemeClr>
+          </a:lnRef>
+          <a:fillRef idx="1">
+            <a:schemeClr val="accent1"/>
+          </a:fillRef>
+          <a:effectRef idx="0">
+            <a:schemeClr val="accent1"/>
+          </a:effectRef>
+          <a:fontRef idx="minor">
+            <a:schemeClr val="lt1"/>
+          </a:fontRef>
+        </p:style>
+        <p:txBody>
+          <a:bodyPr rot="0" spcFirstLastPara="0" vertOverflow="overflow" horzOverflow="overflow" vert="horz" wrap="square" lIns="68580" tIns="34290" rIns="68580" bIns="34290" numCol="1" spcCol="0" rtlCol="0" fromWordArt="0" anchor="ctr" anchorCtr="0" forceAA="0" compatLnSpc="1">
+            <a:prstTxWarp prst="textNoShape">
+              <a:avLst/>
+            </a:prstTxWarp>
+            <a:noAutofit/>
+          </a:bodyPr>
+          <a:lstStyle/>
+          <a:p>
+            <a:pPr algn="ctr"/>
+            <a:r>
+              <a:rPr lang="en-US" sz="900" i="1" dirty="0">
+                <a:solidFill>
+                  <a:schemeClr val="tx1"/>
+                </a:solidFill>
+                <a:latin typeface="Times New Roman" panose="02020603050405020304" pitchFamily="18" charset="0"/>
+                <a:cs typeface="Times New Roman" panose="02020603050405020304" pitchFamily="18" charset="0"/>
+              </a:rPr>
+              <a:t>X</a:t>
+            </a:r>
+            <a:r>
+              <a:rPr lang="en-US" sz="900" i="1" baseline="-25000" dirty="0">
+                <a:solidFill>
+                  <a:schemeClr val="tx1"/>
+                </a:solidFill>
+                <a:latin typeface="Times New Roman" panose="02020603050405020304" pitchFamily="18" charset="0"/>
+                <a:cs typeface="Times New Roman" panose="02020603050405020304" pitchFamily="18" charset="0"/>
+              </a:rPr>
+              <a:t>t + 2</a:t>
+            </a:r>
+            <a:endParaRPr lang="en-US" sz="900" i="1" dirty="0">
+              <a:solidFill>
+                <a:schemeClr val="tx1"/>
+              </a:solidFill>
+              <a:latin typeface="Times New Roman" panose="02020603050405020304" pitchFamily="18" charset="0"/>
+              <a:cs typeface="Times New Roman" panose="02020603050405020304" pitchFamily="18" charset="0"/>
+            </a:endParaRPr>
+          </a:p>
+        </p:txBody>
+      </p:sp>
+      <p:sp>
+        <p:nvSpPr>
+          <p:cNvPr id="101" name="Rectangle 100">
+            <a:extLst>
+              <a:ext uri="{FF2B5EF4-FFF2-40B4-BE49-F238E27FC236}">
+                <a16:creationId xmlns:a16="http://schemas.microsoft.com/office/drawing/2014/main" id="{FDE0A075-5937-5543-BF4B-46A5DE9DBA0C}"/>
+              </a:ext>
+            </a:extLst>
+          </p:cNvPr>
+          <p:cNvSpPr/>
+          <p:nvPr/>
+        </p:nvSpPr>
+        <p:spPr>
+          <a:xfrm>
+            <a:off x="2950659" y="3904909"/>
+            <a:ext cx="386682" cy="380640"/>
+          </a:xfrm>
+          <a:prstGeom prst="rect">
+            <a:avLst/>
+          </a:prstGeom>
+          <a:solidFill>
+            <a:schemeClr val="bg1"/>
+          </a:solidFill>
+          <a:ln w="3175">
+            <a:solidFill>
+              <a:schemeClr val="tx1">
+                <a:lumMod val="65000"/>
+                <a:lumOff val="35000"/>
+              </a:schemeClr>
+            </a:solidFill>
+          </a:ln>
+        </p:spPr>
+        <p:style>
+          <a:lnRef idx="2">
+            <a:schemeClr val="accent1">
+              <a:shade val="50000"/>
+            </a:schemeClr>
+          </a:lnRef>
+          <a:fillRef idx="1">
+            <a:schemeClr val="accent1"/>
+          </a:fillRef>
+          <a:effectRef idx="0">
+            <a:schemeClr val="accent1"/>
+          </a:effectRef>
+          <a:fontRef idx="minor">
+            <a:schemeClr val="lt1"/>
+          </a:fontRef>
+        </p:style>
+        <p:txBody>
+          <a:bodyPr rot="0" spcFirstLastPara="0" vertOverflow="overflow" horzOverflow="overflow" vert="horz" wrap="square" lIns="68580" tIns="34290" rIns="68580" bIns="34290" numCol="1" spcCol="0" rtlCol="0" fromWordArt="0" anchor="ctr" anchorCtr="0" forceAA="0" compatLnSpc="1">
+            <a:prstTxWarp prst="textNoShape">
+              <a:avLst/>
+            </a:prstTxWarp>
+            <a:noAutofit/>
+          </a:bodyPr>
+          <a:lstStyle/>
+          <a:p>
+            <a:pPr algn="ctr"/>
+            <a:r>
+              <a:rPr lang="en-US" sz="900" i="1" dirty="0">
+                <a:solidFill>
+                  <a:schemeClr val="tx1"/>
+                </a:solidFill>
+                <a:latin typeface="Times New Roman" panose="02020603050405020304" pitchFamily="18" charset="0"/>
+                <a:cs typeface="Times New Roman" panose="02020603050405020304" pitchFamily="18" charset="0"/>
+              </a:rPr>
+              <a:t>X</a:t>
+            </a:r>
+            <a:r>
+              <a:rPr lang="en-US" sz="900" i="1" baseline="-25000" dirty="0">
+                <a:solidFill>
+                  <a:schemeClr val="tx1"/>
+                </a:solidFill>
+                <a:latin typeface="Times New Roman" panose="02020603050405020304" pitchFamily="18" charset="0"/>
+                <a:cs typeface="Times New Roman" panose="02020603050405020304" pitchFamily="18" charset="0"/>
+              </a:rPr>
+              <a:t>t + n</a:t>
+            </a:r>
+            <a:endParaRPr lang="en-US" sz="900" i="1" dirty="0">
+              <a:solidFill>
+                <a:schemeClr val="tx1"/>
+              </a:solidFill>
+              <a:latin typeface="Times New Roman" panose="02020603050405020304" pitchFamily="18" charset="0"/>
+              <a:cs typeface="Times New Roman" panose="02020603050405020304" pitchFamily="18" charset="0"/>
+            </a:endParaRPr>
+          </a:p>
+        </p:txBody>
+      </p:sp>
+      <p:sp>
+        <p:nvSpPr>
+          <p:cNvPr id="102" name="TextBox 101">
+            <a:extLst>
+              <a:ext uri="{FF2B5EF4-FFF2-40B4-BE49-F238E27FC236}">
+                <a16:creationId xmlns:a16="http://schemas.microsoft.com/office/drawing/2014/main" id="{51E0922F-F665-4742-9558-5F966432E014}"/>
+              </a:ext>
+            </a:extLst>
+          </p:cNvPr>
+          <p:cNvSpPr txBox="1"/>
+          <p:nvPr/>
+        </p:nvSpPr>
+        <p:spPr>
+          <a:xfrm>
+            <a:off x="2517151" y="4001274"/>
+            <a:ext cx="338554" cy="276999"/>
+          </a:xfrm>
+          <a:prstGeom prst="rect">
+            <a:avLst/>
+          </a:prstGeom>
+          <a:noFill/>
+        </p:spPr>
+        <p:txBody>
+          <a:bodyPr wrap="none" rtlCol="0">
+            <a:spAutoFit/>
+          </a:bodyPr>
+          <a:lstStyle/>
+          <a:p>
+            <a:r>
+              <a:rPr lang="en-US" sz="1200" dirty="0">
+                <a:latin typeface="Times New Roman" panose="02020603050405020304" pitchFamily="18" charset="0"/>
+                <a:cs typeface="Times New Roman" panose="02020603050405020304" pitchFamily="18" charset="0"/>
+              </a:rPr>
+              <a:t>…</a:t>
+            </a:r>
+          </a:p>
+        </p:txBody>
+      </p:sp>
+      <p:cxnSp>
+        <p:nvCxnSpPr>
+          <p:cNvPr id="75" name="Straight Arrow Connector 74">
+            <a:extLst>
+              <a:ext uri="{FF2B5EF4-FFF2-40B4-BE49-F238E27FC236}">
+                <a16:creationId xmlns:a16="http://schemas.microsoft.com/office/drawing/2014/main" id="{A320FD08-A3B5-2F4B-BC35-DDCFDD60E140}"/>
+              </a:ext>
+            </a:extLst>
+          </p:cNvPr>
+          <p:cNvCxnSpPr>
+            <a:cxnSpLocks/>
+          </p:cNvCxnSpPr>
+          <p:nvPr/>
+        </p:nvCxnSpPr>
+        <p:spPr>
+          <a:xfrm flipV="1">
+            <a:off x="1346060" y="1437734"/>
+            <a:ext cx="5625" cy="625740"/>
+          </a:xfrm>
+          <a:prstGeom prst="straightConnector1">
+            <a:avLst/>
+          </a:prstGeom>
+          <a:ln>
+            <a:solidFill>
+              <a:schemeClr val="tx1"/>
+            </a:solidFill>
+            <a:tailEnd type="triangle"/>
+          </a:ln>
+        </p:spPr>
+        <p:style>
+          <a:lnRef idx="1">
+            <a:schemeClr val="accent1"/>
+          </a:lnRef>
+          <a:fillRef idx="0">
+            <a:schemeClr val="accent1"/>
+          </a:fillRef>
+          <a:effectRef idx="0">
+            <a:schemeClr val="accent1"/>
+          </a:effectRef>
+          <a:fontRef idx="minor">
+            <a:schemeClr val="tx1"/>
+          </a:fontRef>
+        </p:style>
+      </p:cxnSp>
+      <p:cxnSp>
+        <p:nvCxnSpPr>
+          <p:cNvPr id="78" name="Straight Arrow Connector 77">
+            <a:extLst>
+              <a:ext uri="{FF2B5EF4-FFF2-40B4-BE49-F238E27FC236}">
+                <a16:creationId xmlns:a16="http://schemas.microsoft.com/office/drawing/2014/main" id="{87751115-FC7C-334C-88CD-E8C36563B572}"/>
+              </a:ext>
+            </a:extLst>
+          </p:cNvPr>
+          <p:cNvCxnSpPr>
+            <a:cxnSpLocks/>
+          </p:cNvCxnSpPr>
+          <p:nvPr/>
+        </p:nvCxnSpPr>
+        <p:spPr>
+          <a:xfrm flipV="1">
+            <a:off x="2018221" y="1431008"/>
+            <a:ext cx="5625" cy="625740"/>
+          </a:xfrm>
+          <a:prstGeom prst="straightConnector1">
+            <a:avLst/>
+          </a:prstGeom>
+          <a:ln>
+            <a:solidFill>
+              <a:schemeClr val="tx1"/>
+            </a:solidFill>
+            <a:tailEnd type="triangle"/>
+          </a:ln>
+        </p:spPr>
+        <p:style>
+          <a:lnRef idx="1">
+            <a:schemeClr val="accent1"/>
+          </a:lnRef>
+          <a:fillRef idx="0">
+            <a:schemeClr val="accent1"/>
+          </a:fillRef>
+          <a:effectRef idx="0">
+            <a:schemeClr val="accent1"/>
+          </a:effectRef>
+          <a:fontRef idx="minor">
+            <a:schemeClr val="tx1"/>
+          </a:fontRef>
+        </p:style>
+      </p:cxnSp>
+      <p:cxnSp>
+        <p:nvCxnSpPr>
+          <p:cNvPr id="79" name="Straight Arrow Connector 78">
+            <a:extLst>
+              <a:ext uri="{FF2B5EF4-FFF2-40B4-BE49-F238E27FC236}">
+                <a16:creationId xmlns:a16="http://schemas.microsoft.com/office/drawing/2014/main" id="{923EC050-09D2-2D4C-9704-8A1122FF6D35}"/>
+              </a:ext>
+            </a:extLst>
+          </p:cNvPr>
+          <p:cNvCxnSpPr>
+            <a:cxnSpLocks/>
+          </p:cNvCxnSpPr>
+          <p:nvPr/>
+        </p:nvCxnSpPr>
+        <p:spPr>
+          <a:xfrm flipV="1">
+            <a:off x="680010" y="3279166"/>
+            <a:ext cx="5625" cy="625740"/>
+          </a:xfrm>
+          <a:prstGeom prst="straightConnector1">
+            <a:avLst/>
+          </a:prstGeom>
+          <a:ln>
+            <a:solidFill>
+              <a:schemeClr val="tx1"/>
+            </a:solidFill>
+            <a:tailEnd type="triangle"/>
+          </a:ln>
+        </p:spPr>
+        <p:style>
+          <a:lnRef idx="1">
+            <a:schemeClr val="accent1"/>
+          </a:lnRef>
+          <a:fillRef idx="0">
+            <a:schemeClr val="accent1"/>
+          </a:fillRef>
+          <a:effectRef idx="0">
+            <a:schemeClr val="accent1"/>
+          </a:effectRef>
+          <a:fontRef idx="minor">
+            <a:schemeClr val="tx1"/>
+          </a:fontRef>
+        </p:style>
+      </p:cxnSp>
+      <p:cxnSp>
+        <p:nvCxnSpPr>
+          <p:cNvPr id="80" name="Straight Arrow Connector 79">
+            <a:extLst>
+              <a:ext uri="{FF2B5EF4-FFF2-40B4-BE49-F238E27FC236}">
+                <a16:creationId xmlns:a16="http://schemas.microsoft.com/office/drawing/2014/main" id="{AA6C95BE-6335-4E45-BE02-667BA3991D4A}"/>
+              </a:ext>
+            </a:extLst>
+          </p:cNvPr>
+          <p:cNvCxnSpPr>
+            <a:cxnSpLocks/>
+          </p:cNvCxnSpPr>
+          <p:nvPr/>
+        </p:nvCxnSpPr>
+        <p:spPr>
+          <a:xfrm flipV="1">
+            <a:off x="1348261" y="3279872"/>
+            <a:ext cx="5625" cy="625740"/>
+          </a:xfrm>
+          <a:prstGeom prst="straightConnector1">
+            <a:avLst/>
+          </a:prstGeom>
+          <a:ln>
+            <a:solidFill>
+              <a:schemeClr val="tx1"/>
+            </a:solidFill>
+            <a:tailEnd type="triangle"/>
+          </a:ln>
+        </p:spPr>
+        <p:style>
+          <a:lnRef idx="1">
+            <a:schemeClr val="accent1"/>
+          </a:lnRef>
+          <a:fillRef idx="0">
+            <a:schemeClr val="accent1"/>
+          </a:fillRef>
+          <a:effectRef idx="0">
+            <a:schemeClr val="accent1"/>
+          </a:effectRef>
+          <a:fontRef idx="minor">
+            <a:schemeClr val="tx1"/>
+          </a:fontRef>
+        </p:style>
+      </p:cxnSp>
+      <p:cxnSp>
+        <p:nvCxnSpPr>
+          <p:cNvPr id="81" name="Straight Arrow Connector 80">
+            <a:extLst>
+              <a:ext uri="{FF2B5EF4-FFF2-40B4-BE49-F238E27FC236}">
+                <a16:creationId xmlns:a16="http://schemas.microsoft.com/office/drawing/2014/main" id="{B6FD1C40-E074-3747-BFAB-C5CDD790CC8E}"/>
+              </a:ext>
+            </a:extLst>
+          </p:cNvPr>
+          <p:cNvCxnSpPr>
+            <a:cxnSpLocks/>
+          </p:cNvCxnSpPr>
+          <p:nvPr/>
+        </p:nvCxnSpPr>
+        <p:spPr>
+          <a:xfrm flipV="1">
+            <a:off x="2020422" y="3273146"/>
+            <a:ext cx="5625" cy="625740"/>
+          </a:xfrm>
+          <a:prstGeom prst="straightConnector1">
+            <a:avLst/>
+          </a:prstGeom>
+          <a:ln>
+            <a:solidFill>
+              <a:schemeClr val="tx1"/>
+            </a:solidFill>
+            <a:tailEnd type="triangle"/>
+          </a:ln>
+        </p:spPr>
+        <p:style>
+          <a:lnRef idx="1">
+            <a:schemeClr val="accent1"/>
+          </a:lnRef>
+          <a:fillRef idx="0">
+            <a:schemeClr val="accent1"/>
+          </a:fillRef>
+          <a:effectRef idx="0">
+            <a:schemeClr val="accent1"/>
+          </a:effectRef>
+          <a:fontRef idx="minor">
+            <a:schemeClr val="tx1"/>
+          </a:fontRef>
+        </p:style>
+      </p:cxnSp>
+      <p:cxnSp>
+        <p:nvCxnSpPr>
+          <p:cNvPr id="74" name="Straight Arrow Connector 73">
+            <a:extLst>
+              <a:ext uri="{FF2B5EF4-FFF2-40B4-BE49-F238E27FC236}">
+                <a16:creationId xmlns:a16="http://schemas.microsoft.com/office/drawing/2014/main" id="{37A3FE71-EACF-2A42-8F3D-3CD74B449D84}"/>
+              </a:ext>
+            </a:extLst>
+          </p:cNvPr>
+          <p:cNvCxnSpPr>
+            <a:cxnSpLocks/>
+          </p:cNvCxnSpPr>
+          <p:nvPr/>
+        </p:nvCxnSpPr>
+        <p:spPr>
+          <a:xfrm flipV="1">
+            <a:off x="3131482" y="1452980"/>
+            <a:ext cx="5625" cy="625740"/>
+          </a:xfrm>
+          <a:prstGeom prst="straightConnector1">
+            <a:avLst/>
+          </a:prstGeom>
+          <a:ln>
+            <a:solidFill>
+              <a:schemeClr val="tx1"/>
+            </a:solidFill>
+            <a:tailEnd type="triangle"/>
+          </a:ln>
+        </p:spPr>
+        <p:style>
+          <a:lnRef idx="1">
+            <a:schemeClr val="accent1"/>
+          </a:lnRef>
+          <a:fillRef idx="0">
+            <a:schemeClr val="accent1"/>
+          </a:fillRef>
+          <a:effectRef idx="0">
+            <a:schemeClr val="accent1"/>
+          </a:effectRef>
+          <a:fontRef idx="minor">
+            <a:schemeClr val="tx1"/>
+          </a:fontRef>
+        </p:style>
+      </p:cxnSp>
+      <p:cxnSp>
+        <p:nvCxnSpPr>
+          <p:cNvPr id="82" name="Straight Arrow Connector 81">
+            <a:extLst>
+              <a:ext uri="{FF2B5EF4-FFF2-40B4-BE49-F238E27FC236}">
+                <a16:creationId xmlns:a16="http://schemas.microsoft.com/office/drawing/2014/main" id="{3445C228-8B38-EA4B-B44A-2BEC12366399}"/>
+              </a:ext>
+            </a:extLst>
+          </p:cNvPr>
+          <p:cNvCxnSpPr>
+            <a:cxnSpLocks/>
+          </p:cNvCxnSpPr>
+          <p:nvPr/>
+        </p:nvCxnSpPr>
+        <p:spPr>
+          <a:xfrm flipV="1">
+            <a:off x="3144000" y="3279166"/>
+            <a:ext cx="5625" cy="625740"/>
+          </a:xfrm>
+          <a:prstGeom prst="straightConnector1">
+            <a:avLst/>
+          </a:prstGeom>
+          <a:ln>
+            <a:solidFill>
+              <a:schemeClr val="tx1"/>
+            </a:solidFill>
+            <a:tailEnd type="triangle"/>
+          </a:ln>
+        </p:spPr>
+        <p:style>
+          <a:lnRef idx="1">
+            <a:schemeClr val="accent1"/>
+          </a:lnRef>
+          <a:fillRef idx="0">
+            <a:schemeClr val="accent1"/>
+          </a:fillRef>
+          <a:effectRef idx="0">
+            <a:schemeClr val="accent1"/>
+          </a:effectRef>
+          <a:fontRef idx="minor">
+            <a:schemeClr val="tx1"/>
+          </a:fontRef>
+        </p:style>
+      </p:cxnSp>
+    </p:spTree>
+    <p:extLst>
+      <p:ext uri="{BB962C8B-B14F-4D97-AF65-F5344CB8AC3E}">
+        <p14:creationId xmlns:p14="http://schemas.microsoft.com/office/powerpoint/2010/main" val="2500933292"/>
       </p:ext>
     </p:extLst>
   </p:cSld>
